--- a/design/policy_agents.pptx
+++ b/design/policy_agents.pptx
@@ -6,6 +6,7 @@
   </p:sldMasterIdLst>
   <p:sldIdLst>
     <p:sldId id="256" r:id="rId2"/>
+    <p:sldId id="257" r:id="rId3"/>
   </p:sldIdLst>
   <p:sldSz cx="12192000" cy="6858000"/>
   <p:notesSz cx="6858000" cy="9144000"/>
@@ -104,6 +105,11 @@
       </a:defRPr>
     </a:lvl9pPr>
   </p:defaultTextStyle>
+  <p:extLst>
+    <p:ext uri="{EFAFB233-063F-42B5-8137-9DF3F51BA10A}">
+      <p15:sldGuideLst xmlns:p15="http://schemas.microsoft.com/office/powerpoint/2012/main"/>
+    </p:ext>
+  </p:extLst>
 </p:presentation>
 </file>
 
@@ -256,7 +262,7 @@
           <a:p>
             <a:fld id="{A5E70401-2D51-814E-9246-9E73C8DAF7AE}" type="datetimeFigureOut">
               <a:rPr lang="en-US" smtClean="0"/>
-              <a:t>1/12/25</a:t>
+              <a:t>1/13/25</a:t>
             </a:fld>
             <a:endParaRPr lang="en-US"/>
           </a:p>
@@ -456,7 +462,7 @@
           <a:p>
             <a:fld id="{A5E70401-2D51-814E-9246-9E73C8DAF7AE}" type="datetimeFigureOut">
               <a:rPr lang="en-US" smtClean="0"/>
-              <a:t>1/12/25</a:t>
+              <a:t>1/13/25</a:t>
             </a:fld>
             <a:endParaRPr lang="en-US"/>
           </a:p>
@@ -666,7 +672,7 @@
           <a:p>
             <a:fld id="{A5E70401-2D51-814E-9246-9E73C8DAF7AE}" type="datetimeFigureOut">
               <a:rPr lang="en-US" smtClean="0"/>
-              <a:t>1/12/25</a:t>
+              <a:t>1/13/25</a:t>
             </a:fld>
             <a:endParaRPr lang="en-US"/>
           </a:p>
@@ -866,7 +872,7 @@
           <a:p>
             <a:fld id="{A5E70401-2D51-814E-9246-9E73C8DAF7AE}" type="datetimeFigureOut">
               <a:rPr lang="en-US" smtClean="0"/>
-              <a:t>1/12/25</a:t>
+              <a:t>1/13/25</a:t>
             </a:fld>
             <a:endParaRPr lang="en-US"/>
           </a:p>
@@ -1142,7 +1148,7 @@
           <a:p>
             <a:fld id="{A5E70401-2D51-814E-9246-9E73C8DAF7AE}" type="datetimeFigureOut">
               <a:rPr lang="en-US" smtClean="0"/>
-              <a:t>1/12/25</a:t>
+              <a:t>1/13/25</a:t>
             </a:fld>
             <a:endParaRPr lang="en-US"/>
           </a:p>
@@ -1410,7 +1416,7 @@
           <a:p>
             <a:fld id="{A5E70401-2D51-814E-9246-9E73C8DAF7AE}" type="datetimeFigureOut">
               <a:rPr lang="en-US" smtClean="0"/>
-              <a:t>1/12/25</a:t>
+              <a:t>1/13/25</a:t>
             </a:fld>
             <a:endParaRPr lang="en-US"/>
           </a:p>
@@ -1825,7 +1831,7 @@
           <a:p>
             <a:fld id="{A5E70401-2D51-814E-9246-9E73C8DAF7AE}" type="datetimeFigureOut">
               <a:rPr lang="en-US" smtClean="0"/>
-              <a:t>1/12/25</a:t>
+              <a:t>1/13/25</a:t>
             </a:fld>
             <a:endParaRPr lang="en-US"/>
           </a:p>
@@ -1967,7 +1973,7 @@
           <a:p>
             <a:fld id="{A5E70401-2D51-814E-9246-9E73C8DAF7AE}" type="datetimeFigureOut">
               <a:rPr lang="en-US" smtClean="0"/>
-              <a:t>1/12/25</a:t>
+              <a:t>1/13/25</a:t>
             </a:fld>
             <a:endParaRPr lang="en-US"/>
           </a:p>
@@ -2080,7 +2086,7 @@
           <a:p>
             <a:fld id="{A5E70401-2D51-814E-9246-9E73C8DAF7AE}" type="datetimeFigureOut">
               <a:rPr lang="en-US" smtClean="0"/>
-              <a:t>1/12/25</a:t>
+              <a:t>1/13/25</a:t>
             </a:fld>
             <a:endParaRPr lang="en-US"/>
           </a:p>
@@ -2393,7 +2399,7 @@
           <a:p>
             <a:fld id="{A5E70401-2D51-814E-9246-9E73C8DAF7AE}" type="datetimeFigureOut">
               <a:rPr lang="en-US" smtClean="0"/>
-              <a:t>1/12/25</a:t>
+              <a:t>1/13/25</a:t>
             </a:fld>
             <a:endParaRPr lang="en-US"/>
           </a:p>
@@ -2682,7 +2688,7 @@
           <a:p>
             <a:fld id="{A5E70401-2D51-814E-9246-9E73C8DAF7AE}" type="datetimeFigureOut">
               <a:rPr lang="en-US" smtClean="0"/>
-              <a:t>1/12/25</a:t>
+              <a:t>1/13/25</a:t>
             </a:fld>
             <a:endParaRPr lang="en-US"/>
           </a:p>
@@ -2925,7 +2931,7 @@
           <a:p>
             <a:fld id="{A5E70401-2D51-814E-9246-9E73C8DAF7AE}" type="datetimeFigureOut">
               <a:rPr lang="en-US" smtClean="0"/>
-              <a:t>1/12/25</a:t>
+              <a:t>1/13/25</a:t>
             </a:fld>
             <a:endParaRPr lang="en-US"/>
           </a:p>
@@ -5243,10 +5249,3054 @@
           </a:p>
         </p:txBody>
       </p:sp>
+      <p:sp>
+        <p:nvSpPr>
+          <p:cNvPr id="2" name="TextBox 1">
+            <a:extLst>
+              <a:ext uri="{FF2B5EF4-FFF2-40B4-BE49-F238E27FC236}">
+                <a16:creationId xmlns:a16="http://schemas.microsoft.com/office/drawing/2014/main" id="{A00F0823-A737-C3B3-D637-A64F809D700A}"/>
+              </a:ext>
+            </a:extLst>
+          </p:cNvPr>
+          <p:cNvSpPr txBox="1"/>
+          <p:nvPr/>
+        </p:nvSpPr>
+        <p:spPr>
+          <a:xfrm>
+            <a:off x="233592" y="149790"/>
+            <a:ext cx="11794718" cy="461665"/>
+          </a:xfrm>
+          <a:prstGeom prst="rect">
+            <a:avLst/>
+          </a:prstGeom>
+          <a:noFill/>
+        </p:spPr>
+        <p:txBody>
+          <a:bodyPr wrap="square" rtlCol="0">
+            <a:spAutoFit/>
+          </a:bodyPr>
+          <a:lstStyle/>
+          <a:p>
+            <a:r>
+              <a:rPr lang="en-US" sz="2400" b="1" dirty="0"/>
+              <a:t>Agentic Policy Document Workflow </a:t>
+            </a:r>
+          </a:p>
+        </p:txBody>
+      </p:sp>
     </p:spTree>
     <p:extLst>
       <p:ext uri="{BB962C8B-B14F-4D97-AF65-F5344CB8AC3E}">
         <p14:creationId xmlns:p14="http://schemas.microsoft.com/office/powerpoint/2010/main" val="3317287606"/>
+      </p:ext>
+    </p:extLst>
+  </p:cSld>
+  <p:clrMapOvr>
+    <a:masterClrMapping/>
+  </p:clrMapOvr>
+</p:sld>
+</file>
+
+<file path=ppt/slides/slide2.xml><?xml version="1.0" encoding="utf-8"?>
+<p:sld xmlns:a="http://schemas.openxmlformats.org/drawingml/2006/main" xmlns:r="http://schemas.openxmlformats.org/officeDocument/2006/relationships" xmlns:p="http://schemas.openxmlformats.org/presentationml/2006/main">
+  <p:cSld>
+    <p:spTree>
+      <p:nvGrpSpPr>
+        <p:cNvPr id="1" name="">
+          <a:extLst>
+            <a:ext uri="{FF2B5EF4-FFF2-40B4-BE49-F238E27FC236}">
+              <a16:creationId xmlns:a16="http://schemas.microsoft.com/office/drawing/2014/main" id="{0E7BE3DC-79A0-1116-9FA6-E248D02DC058}"/>
+            </a:ext>
+          </a:extLst>
+        </p:cNvPr>
+        <p:cNvGrpSpPr/>
+        <p:nvPr/>
+      </p:nvGrpSpPr>
+      <p:grpSpPr>
+        <a:xfrm>
+          <a:off x="0" y="0"/>
+          <a:ext cx="0" cy="0"/>
+          <a:chOff x="0" y="0"/>
+          <a:chExt cx="0" cy="0"/>
+        </a:xfrm>
+      </p:grpSpPr>
+      <p:sp>
+        <p:nvSpPr>
+          <p:cNvPr id="2" name="TextBox 1">
+            <a:extLst>
+              <a:ext uri="{FF2B5EF4-FFF2-40B4-BE49-F238E27FC236}">
+                <a16:creationId xmlns:a16="http://schemas.microsoft.com/office/drawing/2014/main" id="{FF648EB6-2177-C3D9-28A3-D71266C6D8C3}"/>
+              </a:ext>
+            </a:extLst>
+          </p:cNvPr>
+          <p:cNvSpPr txBox="1"/>
+          <p:nvPr/>
+        </p:nvSpPr>
+        <p:spPr>
+          <a:xfrm>
+            <a:off x="198641" y="28720"/>
+            <a:ext cx="11794718" cy="461665"/>
+          </a:xfrm>
+          <a:prstGeom prst="rect">
+            <a:avLst/>
+          </a:prstGeom>
+          <a:noFill/>
+        </p:spPr>
+        <p:txBody>
+          <a:bodyPr wrap="square" rtlCol="0">
+            <a:spAutoFit/>
+          </a:bodyPr>
+          <a:lstStyle/>
+          <a:p>
+            <a:pPr algn="l" fontAlgn="base"/>
+            <a:r>
+              <a:rPr lang="en-GB" sz="2400" b="1" i="0" dirty="0">
+                <a:solidFill>
+                  <a:srgbClr val="000000"/>
+                </a:solidFill>
+                <a:effectLst/>
+              </a:rPr>
+              <a:t>Emerging </a:t>
+            </a:r>
+            <a:r>
+              <a:rPr lang="en-GB" sz="2400" b="1" dirty="0">
+                <a:solidFill>
+                  <a:srgbClr val="000000"/>
+                </a:solidFill>
+              </a:rPr>
+              <a:t>Agentic </a:t>
+            </a:r>
+            <a:r>
+              <a:rPr lang="en-GB" sz="2400" b="1" i="0" dirty="0">
+                <a:solidFill>
+                  <a:srgbClr val="000000"/>
+                </a:solidFill>
+                <a:effectLst/>
+              </a:rPr>
+              <a:t>Architectures of LLM Applications</a:t>
+            </a:r>
+          </a:p>
+        </p:txBody>
+      </p:sp>
+      <p:sp>
+        <p:nvSpPr>
+          <p:cNvPr id="3" name="Rectangle 2">
+            <a:extLst>
+              <a:ext uri="{FF2B5EF4-FFF2-40B4-BE49-F238E27FC236}">
+                <a16:creationId xmlns:a16="http://schemas.microsoft.com/office/drawing/2014/main" id="{B7948BDF-73D7-0591-E5C9-1B71956B36AC}"/>
+              </a:ext>
+            </a:extLst>
+          </p:cNvPr>
+          <p:cNvSpPr/>
+          <p:nvPr/>
+        </p:nvSpPr>
+        <p:spPr>
+          <a:xfrm>
+            <a:off x="3879691" y="682863"/>
+            <a:ext cx="2687216" cy="727788"/>
+          </a:xfrm>
+          <a:prstGeom prst="rect">
+            <a:avLst/>
+          </a:prstGeom>
+          <a:solidFill>
+            <a:srgbClr val="FFFF00"/>
+          </a:solidFill>
+          <a:ln w="9525"/>
+        </p:spPr>
+        <p:style>
+          <a:lnRef idx="2">
+            <a:schemeClr val="accent1">
+              <a:shade val="15000"/>
+            </a:schemeClr>
+          </a:lnRef>
+          <a:fillRef idx="1">
+            <a:schemeClr val="accent1"/>
+          </a:fillRef>
+          <a:effectRef idx="0">
+            <a:schemeClr val="accent1"/>
+          </a:effectRef>
+          <a:fontRef idx="minor">
+            <a:schemeClr val="lt1"/>
+          </a:fontRef>
+        </p:style>
+        <p:txBody>
+          <a:bodyPr rtlCol="0" anchor="ctr"/>
+          <a:lstStyle/>
+          <a:p>
+            <a:pPr algn="ctr"/>
+            <a:r>
+              <a:rPr lang="en-US" sz="1200" dirty="0">
+                <a:solidFill>
+                  <a:schemeClr val="tx1"/>
+                </a:solidFill>
+              </a:rPr>
+              <a:t>User Interface</a:t>
+            </a:r>
+          </a:p>
+          <a:p>
+            <a:pPr algn="ctr"/>
+            <a:r>
+              <a:rPr lang="en-US" sz="1200" dirty="0">
+                <a:solidFill>
+                  <a:schemeClr val="tx1"/>
+                </a:solidFill>
+              </a:rPr>
+              <a:t>(conventional web, </a:t>
+            </a:r>
+            <a:r>
+              <a:rPr lang="en-US" sz="1200" dirty="0" err="1">
+                <a:solidFill>
+                  <a:schemeClr val="tx1"/>
+                </a:solidFill>
+              </a:rPr>
+              <a:t>Streamlit</a:t>
+            </a:r>
+            <a:r>
+              <a:rPr lang="en-US" sz="1200" dirty="0">
+                <a:solidFill>
+                  <a:schemeClr val="tx1"/>
+                </a:solidFill>
+              </a:rPr>
+              <a:t>)</a:t>
+            </a:r>
+          </a:p>
+        </p:txBody>
+      </p:sp>
+      <p:sp>
+        <p:nvSpPr>
+          <p:cNvPr id="4" name="Rectangle 3">
+            <a:extLst>
+              <a:ext uri="{FF2B5EF4-FFF2-40B4-BE49-F238E27FC236}">
+                <a16:creationId xmlns:a16="http://schemas.microsoft.com/office/drawing/2014/main" id="{D4A868CA-519A-6A5B-2CEE-64E1E799421A}"/>
+              </a:ext>
+            </a:extLst>
+          </p:cNvPr>
+          <p:cNvSpPr/>
+          <p:nvPr/>
+        </p:nvSpPr>
+        <p:spPr>
+          <a:xfrm>
+            <a:off x="3682711" y="1886511"/>
+            <a:ext cx="3051112" cy="2432180"/>
+          </a:xfrm>
+          <a:prstGeom prst="rect">
+            <a:avLst/>
+          </a:prstGeom>
+          <a:solidFill>
+            <a:schemeClr val="accent2">
+              <a:lumMod val="40000"/>
+              <a:lumOff val="60000"/>
+            </a:schemeClr>
+          </a:solidFill>
+          <a:ln w="9525"/>
+        </p:spPr>
+        <p:style>
+          <a:lnRef idx="2">
+            <a:schemeClr val="accent1">
+              <a:shade val="15000"/>
+            </a:schemeClr>
+          </a:lnRef>
+          <a:fillRef idx="1">
+            <a:schemeClr val="accent1"/>
+          </a:fillRef>
+          <a:effectRef idx="0">
+            <a:schemeClr val="accent1"/>
+          </a:effectRef>
+          <a:fontRef idx="minor">
+            <a:schemeClr val="lt1"/>
+          </a:fontRef>
+        </p:style>
+        <p:txBody>
+          <a:bodyPr rtlCol="0" anchor="ctr"/>
+          <a:lstStyle/>
+          <a:p>
+            <a:pPr algn="ctr"/>
+            <a:r>
+              <a:rPr lang="en-US" sz="1200" dirty="0">
+                <a:solidFill>
+                  <a:schemeClr val="tx1"/>
+                </a:solidFill>
+              </a:rPr>
+              <a:t>Agent Runtime</a:t>
+            </a:r>
+          </a:p>
+          <a:p>
+            <a:pPr algn="ctr"/>
+            <a:endParaRPr lang="en-US" sz="1200" dirty="0">
+              <a:solidFill>
+                <a:schemeClr val="tx1"/>
+              </a:solidFill>
+            </a:endParaRPr>
+          </a:p>
+          <a:p>
+            <a:pPr algn="ctr"/>
+            <a:endParaRPr lang="en-US" sz="1200" dirty="0">
+              <a:solidFill>
+                <a:schemeClr val="tx1"/>
+              </a:solidFill>
+            </a:endParaRPr>
+          </a:p>
+          <a:p>
+            <a:pPr algn="ctr"/>
+            <a:endParaRPr lang="en-US" sz="1200" dirty="0">
+              <a:solidFill>
+                <a:schemeClr val="tx1"/>
+              </a:solidFill>
+            </a:endParaRPr>
+          </a:p>
+          <a:p>
+            <a:pPr algn="ctr"/>
+            <a:endParaRPr lang="en-US" sz="1200" dirty="0">
+              <a:solidFill>
+                <a:schemeClr val="tx1"/>
+              </a:solidFill>
+            </a:endParaRPr>
+          </a:p>
+          <a:p>
+            <a:pPr algn="ctr"/>
+            <a:endParaRPr lang="en-US" sz="1200" dirty="0">
+              <a:solidFill>
+                <a:schemeClr val="tx1"/>
+              </a:solidFill>
+            </a:endParaRPr>
+          </a:p>
+          <a:p>
+            <a:pPr algn="ctr"/>
+            <a:endParaRPr lang="en-US" sz="1200" dirty="0">
+              <a:solidFill>
+                <a:schemeClr val="tx1"/>
+              </a:solidFill>
+            </a:endParaRPr>
+          </a:p>
+          <a:p>
+            <a:pPr algn="ctr"/>
+            <a:endParaRPr lang="en-US" sz="1200" dirty="0">
+              <a:solidFill>
+                <a:schemeClr val="tx1"/>
+              </a:solidFill>
+            </a:endParaRPr>
+          </a:p>
+          <a:p>
+            <a:pPr algn="ctr"/>
+            <a:endParaRPr lang="en-US" sz="1200" dirty="0">
+              <a:solidFill>
+                <a:schemeClr val="tx1"/>
+              </a:solidFill>
+            </a:endParaRPr>
+          </a:p>
+          <a:p>
+            <a:pPr algn="ctr"/>
+            <a:endParaRPr lang="en-US" sz="1200" dirty="0">
+              <a:solidFill>
+                <a:schemeClr val="tx1"/>
+              </a:solidFill>
+            </a:endParaRPr>
+          </a:p>
+          <a:p>
+            <a:pPr algn="ctr"/>
+            <a:endParaRPr lang="en-US" sz="1200" dirty="0">
+              <a:solidFill>
+                <a:schemeClr val="tx1"/>
+              </a:solidFill>
+            </a:endParaRPr>
+          </a:p>
+          <a:p>
+            <a:pPr algn="ctr"/>
+            <a:endParaRPr lang="en-US" sz="1200" dirty="0">
+              <a:solidFill>
+                <a:schemeClr val="tx1"/>
+              </a:solidFill>
+            </a:endParaRPr>
+          </a:p>
+        </p:txBody>
+      </p:sp>
+      <p:sp>
+        <p:nvSpPr>
+          <p:cNvPr id="5" name="Rectangle 4">
+            <a:extLst>
+              <a:ext uri="{FF2B5EF4-FFF2-40B4-BE49-F238E27FC236}">
+                <a16:creationId xmlns:a16="http://schemas.microsoft.com/office/drawing/2014/main" id="{8E8CF1AA-DF09-9B75-A694-957C0F9E886A}"/>
+              </a:ext>
+            </a:extLst>
+          </p:cNvPr>
+          <p:cNvSpPr/>
+          <p:nvPr/>
+        </p:nvSpPr>
+        <p:spPr>
+          <a:xfrm>
+            <a:off x="3879691" y="2263622"/>
+            <a:ext cx="2687216" cy="1915109"/>
+          </a:xfrm>
+          <a:prstGeom prst="rect">
+            <a:avLst/>
+          </a:prstGeom>
+          <a:solidFill>
+            <a:schemeClr val="accent4">
+              <a:lumMod val="60000"/>
+              <a:lumOff val="40000"/>
+            </a:schemeClr>
+          </a:solidFill>
+          <a:ln w="9525"/>
+        </p:spPr>
+        <p:style>
+          <a:lnRef idx="2">
+            <a:schemeClr val="accent1">
+              <a:shade val="15000"/>
+            </a:schemeClr>
+          </a:lnRef>
+          <a:fillRef idx="1">
+            <a:schemeClr val="accent1"/>
+          </a:fillRef>
+          <a:effectRef idx="0">
+            <a:schemeClr val="accent1"/>
+          </a:effectRef>
+          <a:fontRef idx="minor">
+            <a:schemeClr val="lt1"/>
+          </a:fontRef>
+        </p:style>
+        <p:txBody>
+          <a:bodyPr rtlCol="0" anchor="ctr"/>
+          <a:lstStyle/>
+          <a:p>
+            <a:pPr algn="ctr"/>
+            <a:r>
+              <a:rPr lang="en-US" sz="1200" dirty="0">
+                <a:solidFill>
+                  <a:schemeClr val="tx1"/>
+                </a:solidFill>
+              </a:rPr>
+              <a:t>Brain / Orchestration</a:t>
+            </a:r>
+          </a:p>
+          <a:p>
+            <a:pPr algn="ctr"/>
+            <a:endParaRPr lang="en-US" sz="1200" dirty="0">
+              <a:solidFill>
+                <a:schemeClr val="tx1"/>
+              </a:solidFill>
+            </a:endParaRPr>
+          </a:p>
+          <a:p>
+            <a:pPr algn="ctr"/>
+            <a:endParaRPr lang="en-US" sz="1200" dirty="0">
+              <a:solidFill>
+                <a:schemeClr val="tx1"/>
+              </a:solidFill>
+            </a:endParaRPr>
+          </a:p>
+          <a:p>
+            <a:pPr algn="ctr"/>
+            <a:endParaRPr lang="en-US" sz="1200" dirty="0">
+              <a:solidFill>
+                <a:schemeClr val="tx1"/>
+              </a:solidFill>
+            </a:endParaRPr>
+          </a:p>
+          <a:p>
+            <a:pPr algn="ctr"/>
+            <a:endParaRPr lang="en-US" sz="1200" dirty="0">
+              <a:solidFill>
+                <a:schemeClr val="tx1"/>
+              </a:solidFill>
+            </a:endParaRPr>
+          </a:p>
+          <a:p>
+            <a:pPr algn="ctr"/>
+            <a:endParaRPr lang="en-US" sz="1200" dirty="0">
+              <a:solidFill>
+                <a:schemeClr val="tx1"/>
+              </a:solidFill>
+            </a:endParaRPr>
+          </a:p>
+          <a:p>
+            <a:pPr algn="ctr"/>
+            <a:endParaRPr lang="en-US" sz="1200" dirty="0">
+              <a:solidFill>
+                <a:schemeClr val="tx1"/>
+              </a:solidFill>
+            </a:endParaRPr>
+          </a:p>
+          <a:p>
+            <a:pPr algn="ctr"/>
+            <a:endParaRPr lang="en-US" sz="1200" dirty="0">
+              <a:solidFill>
+                <a:schemeClr val="tx1"/>
+              </a:solidFill>
+            </a:endParaRPr>
+          </a:p>
+          <a:p>
+            <a:pPr algn="ctr"/>
+            <a:endParaRPr lang="en-US" sz="1200" dirty="0">
+              <a:solidFill>
+                <a:schemeClr val="tx1"/>
+              </a:solidFill>
+            </a:endParaRPr>
+          </a:p>
+          <a:p>
+            <a:pPr algn="ctr"/>
+            <a:endParaRPr lang="en-US" sz="1200" dirty="0">
+              <a:solidFill>
+                <a:schemeClr val="tx1"/>
+              </a:solidFill>
+            </a:endParaRPr>
+          </a:p>
+        </p:txBody>
+      </p:sp>
+      <p:pic>
+        <p:nvPicPr>
+          <p:cNvPr id="12" name="Picture 2" descr="LlamaIndex | LinkedIn">
+            <a:extLst>
+              <a:ext uri="{FF2B5EF4-FFF2-40B4-BE49-F238E27FC236}">
+                <a16:creationId xmlns:a16="http://schemas.microsoft.com/office/drawing/2014/main" id="{5FE5F9D1-4D9A-2BDA-31A5-DD69EBD9EBDE}"/>
+              </a:ext>
+            </a:extLst>
+          </p:cNvPr>
+          <p:cNvPicPr>
+            <a:picLocks noChangeAspect="1" noChangeArrowheads="1"/>
+          </p:cNvPicPr>
+          <p:nvPr/>
+        </p:nvPicPr>
+        <p:blipFill>
+          <a:blip r:embed="rId2">
+            <a:extLst>
+              <a:ext uri="{28A0092B-C50C-407E-A947-70E740481C1C}">
+                <a14:useLocalDpi xmlns:a14="http://schemas.microsoft.com/office/drawing/2010/main" val="0"/>
+              </a:ext>
+            </a:extLst>
+          </a:blip>
+          <a:srcRect/>
+          <a:stretch>
+            <a:fillRect/>
+          </a:stretch>
+        </p:blipFill>
+        <p:spPr bwMode="auto">
+          <a:xfrm>
+            <a:off x="3946042" y="2616890"/>
+            <a:ext cx="595086" cy="595086"/>
+          </a:xfrm>
+          <a:prstGeom prst="rect">
+            <a:avLst/>
+          </a:prstGeom>
+          <a:noFill/>
+          <a:ln w="9525">
+            <a:solidFill>
+              <a:schemeClr val="tx1"/>
+            </a:solidFill>
+          </a:ln>
+          <a:extLst>
+            <a:ext uri="{909E8E84-426E-40DD-AFC4-6F175D3DCCD1}">
+              <a14:hiddenFill xmlns:a14="http://schemas.microsoft.com/office/drawing/2010/main">
+                <a:solidFill>
+                  <a:srgbClr val="FFFFFF"/>
+                </a:solidFill>
+              </a14:hiddenFill>
+            </a:ext>
+          </a:extLst>
+        </p:spPr>
+      </p:pic>
+      <p:pic>
+        <p:nvPicPr>
+          <p:cNvPr id="28" name="Picture 4" descr="Exceptional Agent Framework ...">
+            <a:extLst>
+              <a:ext uri="{FF2B5EF4-FFF2-40B4-BE49-F238E27FC236}">
+                <a16:creationId xmlns:a16="http://schemas.microsoft.com/office/drawing/2014/main" id="{E9B26877-A438-C185-458B-2EBCC2CBBB52}"/>
+              </a:ext>
+            </a:extLst>
+          </p:cNvPr>
+          <p:cNvPicPr>
+            <a:picLocks noChangeAspect="1" noChangeArrowheads="1"/>
+          </p:cNvPicPr>
+          <p:nvPr/>
+        </p:nvPicPr>
+        <p:blipFill>
+          <a:blip r:embed="rId3">
+            <a:extLst>
+              <a:ext uri="{28A0092B-C50C-407E-A947-70E740481C1C}">
+                <a14:useLocalDpi xmlns:a14="http://schemas.microsoft.com/office/drawing/2010/main" val="0"/>
+              </a:ext>
+            </a:extLst>
+          </a:blip>
+          <a:srcRect/>
+          <a:stretch>
+            <a:fillRect/>
+          </a:stretch>
+        </p:blipFill>
+        <p:spPr bwMode="auto">
+          <a:xfrm>
+            <a:off x="4663165" y="2733652"/>
+            <a:ext cx="1791847" cy="361561"/>
+          </a:xfrm>
+          <a:prstGeom prst="rect">
+            <a:avLst/>
+          </a:prstGeom>
+          <a:noFill/>
+          <a:ln w="9525">
+            <a:solidFill>
+              <a:schemeClr val="tx1"/>
+            </a:solidFill>
+          </a:ln>
+          <a:extLst>
+            <a:ext uri="{909E8E84-426E-40DD-AFC4-6F175D3DCCD1}">
+              <a14:hiddenFill xmlns:a14="http://schemas.microsoft.com/office/drawing/2010/main">
+                <a:solidFill>
+                  <a:srgbClr val="FFFFFF"/>
+                </a:solidFill>
+              </a14:hiddenFill>
+            </a:ext>
+          </a:extLst>
+        </p:spPr>
+      </p:pic>
+      <p:pic>
+        <p:nvPicPr>
+          <p:cNvPr id="29" name="Picture 6" descr="CrewAI — Core Concepts. In this ...">
+            <a:extLst>
+              <a:ext uri="{FF2B5EF4-FFF2-40B4-BE49-F238E27FC236}">
+                <a16:creationId xmlns:a16="http://schemas.microsoft.com/office/drawing/2014/main" id="{E1A1822D-8EFA-AA15-8668-DC6B3D834EE6}"/>
+              </a:ext>
+            </a:extLst>
+          </p:cNvPr>
+          <p:cNvPicPr>
+            <a:picLocks noChangeAspect="1" noChangeArrowheads="1"/>
+          </p:cNvPicPr>
+          <p:nvPr/>
+        </p:nvPicPr>
+        <p:blipFill>
+          <a:blip r:embed="rId4">
+            <a:extLst>
+              <a:ext uri="{28A0092B-C50C-407E-A947-70E740481C1C}">
+                <a14:useLocalDpi xmlns:a14="http://schemas.microsoft.com/office/drawing/2010/main" val="0"/>
+              </a:ext>
+            </a:extLst>
+          </a:blip>
+          <a:srcRect/>
+          <a:stretch>
+            <a:fillRect/>
+          </a:stretch>
+        </p:blipFill>
+        <p:spPr bwMode="auto">
+          <a:xfrm>
+            <a:off x="3928121" y="3395987"/>
+            <a:ext cx="1018092" cy="572038"/>
+          </a:xfrm>
+          <a:prstGeom prst="rect">
+            <a:avLst/>
+          </a:prstGeom>
+          <a:noFill/>
+          <a:ln w="9525">
+            <a:solidFill>
+              <a:schemeClr val="tx1"/>
+            </a:solidFill>
+          </a:ln>
+          <a:extLst>
+            <a:ext uri="{909E8E84-426E-40DD-AFC4-6F175D3DCCD1}">
+              <a14:hiddenFill xmlns:a14="http://schemas.microsoft.com/office/drawing/2010/main">
+                <a:solidFill>
+                  <a:srgbClr val="FFFFFF"/>
+                </a:solidFill>
+              </a14:hiddenFill>
+            </a:ext>
+          </a:extLst>
+        </p:spPr>
+      </p:pic>
+      <p:pic>
+        <p:nvPicPr>
+          <p:cNvPr id="30" name="Picture 8" descr="LF AI &amp; Data Landscape">
+            <a:extLst>
+              <a:ext uri="{FF2B5EF4-FFF2-40B4-BE49-F238E27FC236}">
+                <a16:creationId xmlns:a16="http://schemas.microsoft.com/office/drawing/2014/main" id="{B9087A03-E5EB-04CA-7566-C126908FEB65}"/>
+              </a:ext>
+            </a:extLst>
+          </p:cNvPr>
+          <p:cNvPicPr>
+            <a:picLocks noChangeAspect="1" noChangeArrowheads="1"/>
+          </p:cNvPicPr>
+          <p:nvPr/>
+        </p:nvPicPr>
+        <p:blipFill>
+          <a:blip r:embed="rId5">
+            <a:extLst>
+              <a:ext uri="{28A0092B-C50C-407E-A947-70E740481C1C}">
+                <a14:useLocalDpi xmlns:a14="http://schemas.microsoft.com/office/drawing/2010/main" val="0"/>
+              </a:ext>
+            </a:extLst>
+          </a:blip>
+          <a:srcRect/>
+          <a:stretch>
+            <a:fillRect/>
+          </a:stretch>
+        </p:blipFill>
+        <p:spPr bwMode="auto">
+          <a:xfrm>
+            <a:off x="4999306" y="3395987"/>
+            <a:ext cx="1460370" cy="572038"/>
+          </a:xfrm>
+          <a:prstGeom prst="rect">
+            <a:avLst/>
+          </a:prstGeom>
+          <a:noFill/>
+          <a:ln w="9525">
+            <a:solidFill>
+              <a:schemeClr val="tx1"/>
+            </a:solidFill>
+          </a:ln>
+          <a:extLst>
+            <a:ext uri="{909E8E84-426E-40DD-AFC4-6F175D3DCCD1}">
+              <a14:hiddenFill xmlns:a14="http://schemas.microsoft.com/office/drawing/2010/main">
+                <a:solidFill>
+                  <a:srgbClr val="FFFFFF"/>
+                </a:solidFill>
+              </a14:hiddenFill>
+            </a:ext>
+          </a:extLst>
+        </p:spPr>
+      </p:pic>
+      <p:sp>
+        <p:nvSpPr>
+          <p:cNvPr id="39" name="Rectangle 38">
+            <a:extLst>
+              <a:ext uri="{FF2B5EF4-FFF2-40B4-BE49-F238E27FC236}">
+                <a16:creationId xmlns:a16="http://schemas.microsoft.com/office/drawing/2014/main" id="{3D39CB03-F76B-4A55-E3C8-ED2F2AC21823}"/>
+              </a:ext>
+            </a:extLst>
+          </p:cNvPr>
+          <p:cNvSpPr/>
+          <p:nvPr/>
+        </p:nvSpPr>
+        <p:spPr>
+          <a:xfrm>
+            <a:off x="7623340" y="1886511"/>
+            <a:ext cx="1732384" cy="2432180"/>
+          </a:xfrm>
+          <a:prstGeom prst="rect">
+            <a:avLst/>
+          </a:prstGeom>
+          <a:solidFill>
+            <a:schemeClr val="accent2">
+              <a:lumMod val="40000"/>
+              <a:lumOff val="60000"/>
+            </a:schemeClr>
+          </a:solidFill>
+          <a:ln w="9525"/>
+        </p:spPr>
+        <p:style>
+          <a:lnRef idx="2">
+            <a:schemeClr val="accent1">
+              <a:shade val="15000"/>
+            </a:schemeClr>
+          </a:lnRef>
+          <a:fillRef idx="1">
+            <a:schemeClr val="accent1"/>
+          </a:fillRef>
+          <a:effectRef idx="0">
+            <a:schemeClr val="accent1"/>
+          </a:effectRef>
+          <a:fontRef idx="minor">
+            <a:schemeClr val="lt1"/>
+          </a:fontRef>
+        </p:style>
+        <p:txBody>
+          <a:bodyPr rtlCol="0" anchor="ctr"/>
+          <a:lstStyle/>
+          <a:p>
+            <a:pPr algn="ctr"/>
+            <a:r>
+              <a:rPr lang="en-US" sz="1200" dirty="0">
+                <a:solidFill>
+                  <a:schemeClr val="tx1"/>
+                </a:solidFill>
+              </a:rPr>
+              <a:t>LLM Ops</a:t>
+            </a:r>
+          </a:p>
+          <a:p>
+            <a:pPr algn="ctr"/>
+            <a:endParaRPr lang="en-US" sz="1200" dirty="0">
+              <a:solidFill>
+                <a:schemeClr val="tx1"/>
+              </a:solidFill>
+            </a:endParaRPr>
+          </a:p>
+          <a:p>
+            <a:pPr algn="ctr"/>
+            <a:endParaRPr lang="en-US" sz="1200" dirty="0">
+              <a:solidFill>
+                <a:schemeClr val="tx1"/>
+              </a:solidFill>
+            </a:endParaRPr>
+          </a:p>
+          <a:p>
+            <a:pPr algn="ctr"/>
+            <a:endParaRPr lang="en-US" sz="1200" dirty="0">
+              <a:solidFill>
+                <a:schemeClr val="tx1"/>
+              </a:solidFill>
+            </a:endParaRPr>
+          </a:p>
+          <a:p>
+            <a:pPr algn="ctr"/>
+            <a:endParaRPr lang="en-US" sz="1200" dirty="0">
+              <a:solidFill>
+                <a:schemeClr val="tx1"/>
+              </a:solidFill>
+            </a:endParaRPr>
+          </a:p>
+          <a:p>
+            <a:pPr algn="ctr"/>
+            <a:endParaRPr lang="en-US" sz="1200" dirty="0">
+              <a:solidFill>
+                <a:schemeClr val="tx1"/>
+              </a:solidFill>
+            </a:endParaRPr>
+          </a:p>
+          <a:p>
+            <a:pPr algn="ctr"/>
+            <a:endParaRPr lang="en-US" sz="1200" dirty="0">
+              <a:solidFill>
+                <a:schemeClr val="tx1"/>
+              </a:solidFill>
+            </a:endParaRPr>
+          </a:p>
+          <a:p>
+            <a:pPr algn="ctr"/>
+            <a:endParaRPr lang="en-US" sz="1200" dirty="0">
+              <a:solidFill>
+                <a:schemeClr val="tx1"/>
+              </a:solidFill>
+            </a:endParaRPr>
+          </a:p>
+          <a:p>
+            <a:pPr algn="ctr"/>
+            <a:endParaRPr lang="en-US" sz="1200" dirty="0">
+              <a:solidFill>
+                <a:schemeClr val="tx1"/>
+              </a:solidFill>
+            </a:endParaRPr>
+          </a:p>
+          <a:p>
+            <a:pPr algn="ctr"/>
+            <a:endParaRPr lang="en-US" sz="1200" dirty="0">
+              <a:solidFill>
+                <a:schemeClr val="tx1"/>
+              </a:solidFill>
+            </a:endParaRPr>
+          </a:p>
+          <a:p>
+            <a:pPr algn="ctr"/>
+            <a:endParaRPr lang="en-US" sz="1200" dirty="0">
+              <a:solidFill>
+                <a:schemeClr val="tx1"/>
+              </a:solidFill>
+            </a:endParaRPr>
+          </a:p>
+          <a:p>
+            <a:pPr algn="ctr"/>
+            <a:endParaRPr lang="en-US" sz="1200" dirty="0">
+              <a:solidFill>
+                <a:schemeClr val="tx1"/>
+              </a:solidFill>
+            </a:endParaRPr>
+          </a:p>
+        </p:txBody>
+      </p:sp>
+      <p:sp>
+        <p:nvSpPr>
+          <p:cNvPr id="40" name="Rectangle 39">
+            <a:extLst>
+              <a:ext uri="{FF2B5EF4-FFF2-40B4-BE49-F238E27FC236}">
+                <a16:creationId xmlns:a16="http://schemas.microsoft.com/office/drawing/2014/main" id="{D6B96F57-89E4-D2B9-E404-4C9148BA8A33}"/>
+              </a:ext>
+            </a:extLst>
+          </p:cNvPr>
+          <p:cNvSpPr/>
+          <p:nvPr/>
+        </p:nvSpPr>
+        <p:spPr>
+          <a:xfrm>
+            <a:off x="7755524" y="2341378"/>
+            <a:ext cx="1468016" cy="960276"/>
+          </a:xfrm>
+          <a:prstGeom prst="rect">
+            <a:avLst/>
+          </a:prstGeom>
+          <a:solidFill>
+            <a:schemeClr val="accent3">
+              <a:lumMod val="20000"/>
+              <a:lumOff val="80000"/>
+            </a:schemeClr>
+          </a:solidFill>
+          <a:ln w="9525"/>
+        </p:spPr>
+        <p:style>
+          <a:lnRef idx="2">
+            <a:schemeClr val="accent1">
+              <a:shade val="15000"/>
+            </a:schemeClr>
+          </a:lnRef>
+          <a:fillRef idx="1">
+            <a:schemeClr val="accent1"/>
+          </a:fillRef>
+          <a:effectRef idx="0">
+            <a:schemeClr val="accent1"/>
+          </a:effectRef>
+          <a:fontRef idx="minor">
+            <a:schemeClr val="lt1"/>
+          </a:fontRef>
+        </p:style>
+        <p:txBody>
+          <a:bodyPr rtlCol="0" anchor="ctr"/>
+          <a:lstStyle/>
+          <a:p>
+            <a:pPr marL="171450" indent="-171450">
+              <a:buFont typeface="Arial" panose="020B0604020202020204" pitchFamily="34" charset="0"/>
+              <a:buChar char="•"/>
+            </a:pPr>
+            <a:endParaRPr lang="en-US" sz="1200" dirty="0">
+              <a:solidFill>
+                <a:schemeClr val="tx1"/>
+              </a:solidFill>
+            </a:endParaRPr>
+          </a:p>
+          <a:p>
+            <a:endParaRPr lang="en-US" sz="1200" dirty="0">
+              <a:solidFill>
+                <a:schemeClr val="tx1"/>
+              </a:solidFill>
+            </a:endParaRPr>
+          </a:p>
+          <a:p>
+            <a:endParaRPr lang="en-US" sz="1200" dirty="0">
+              <a:solidFill>
+                <a:schemeClr val="tx1"/>
+              </a:solidFill>
+            </a:endParaRPr>
+          </a:p>
+          <a:p>
+            <a:endParaRPr lang="en-US" sz="1200" dirty="0">
+              <a:solidFill>
+                <a:schemeClr val="tx1"/>
+              </a:solidFill>
+            </a:endParaRPr>
+          </a:p>
+          <a:p>
+            <a:pPr marL="171450" indent="-171450">
+              <a:buFont typeface="Arial" panose="020B0604020202020204" pitchFamily="34" charset="0"/>
+              <a:buChar char="•"/>
+            </a:pPr>
+            <a:endParaRPr lang="en-US" sz="1200" dirty="0">
+              <a:solidFill>
+                <a:schemeClr val="tx1"/>
+              </a:solidFill>
+            </a:endParaRPr>
+          </a:p>
+          <a:p>
+            <a:pPr algn="ctr"/>
+            <a:r>
+              <a:rPr lang="en-US" sz="1200" dirty="0">
+                <a:solidFill>
+                  <a:schemeClr val="tx1"/>
+                </a:solidFill>
+              </a:rPr>
+              <a:t>Prompt versioning &amp; management</a:t>
+            </a:r>
+          </a:p>
+          <a:p>
+            <a:pPr algn="ctr"/>
+            <a:endParaRPr lang="en-US" sz="1200" dirty="0">
+              <a:solidFill>
+                <a:schemeClr val="tx1"/>
+              </a:solidFill>
+            </a:endParaRPr>
+          </a:p>
+          <a:p>
+            <a:pPr algn="ctr"/>
+            <a:endParaRPr lang="en-US" sz="1200" dirty="0">
+              <a:solidFill>
+                <a:schemeClr val="tx1"/>
+              </a:solidFill>
+            </a:endParaRPr>
+          </a:p>
+          <a:p>
+            <a:pPr algn="ctr"/>
+            <a:endParaRPr lang="en-US" sz="1200" dirty="0">
+              <a:solidFill>
+                <a:schemeClr val="tx1"/>
+              </a:solidFill>
+            </a:endParaRPr>
+          </a:p>
+          <a:p>
+            <a:pPr algn="ctr"/>
+            <a:endParaRPr lang="en-US" sz="1200" dirty="0">
+              <a:solidFill>
+                <a:schemeClr val="tx1"/>
+              </a:solidFill>
+            </a:endParaRPr>
+          </a:p>
+          <a:p>
+            <a:pPr algn="ctr"/>
+            <a:endParaRPr lang="en-US" sz="1200" dirty="0">
+              <a:solidFill>
+                <a:schemeClr val="tx1"/>
+              </a:solidFill>
+            </a:endParaRPr>
+          </a:p>
+        </p:txBody>
+      </p:sp>
+      <p:sp>
+        <p:nvSpPr>
+          <p:cNvPr id="47" name="Rectangle 46">
+            <a:extLst>
+              <a:ext uri="{FF2B5EF4-FFF2-40B4-BE49-F238E27FC236}">
+                <a16:creationId xmlns:a16="http://schemas.microsoft.com/office/drawing/2014/main" id="{B8CBBBCB-F803-2E59-F285-8F89C55808D0}"/>
+              </a:ext>
+            </a:extLst>
+          </p:cNvPr>
+          <p:cNvSpPr/>
+          <p:nvPr/>
+        </p:nvSpPr>
+        <p:spPr>
+          <a:xfrm>
+            <a:off x="7755524" y="3451138"/>
+            <a:ext cx="1468016" cy="718069"/>
+          </a:xfrm>
+          <a:prstGeom prst="rect">
+            <a:avLst/>
+          </a:prstGeom>
+          <a:solidFill>
+            <a:schemeClr val="accent3">
+              <a:lumMod val="20000"/>
+              <a:lumOff val="80000"/>
+            </a:schemeClr>
+          </a:solidFill>
+          <a:ln w="9525"/>
+        </p:spPr>
+        <p:style>
+          <a:lnRef idx="2">
+            <a:schemeClr val="accent1">
+              <a:shade val="15000"/>
+            </a:schemeClr>
+          </a:lnRef>
+          <a:fillRef idx="1">
+            <a:schemeClr val="accent1"/>
+          </a:fillRef>
+          <a:effectRef idx="0">
+            <a:schemeClr val="accent1"/>
+          </a:effectRef>
+          <a:fontRef idx="minor">
+            <a:schemeClr val="lt1"/>
+          </a:fontRef>
+        </p:style>
+        <p:txBody>
+          <a:bodyPr rtlCol="0" anchor="ctr"/>
+          <a:lstStyle/>
+          <a:p>
+            <a:pPr marL="171450" indent="-171450">
+              <a:buFont typeface="Arial" panose="020B0604020202020204" pitchFamily="34" charset="0"/>
+              <a:buChar char="•"/>
+            </a:pPr>
+            <a:endParaRPr lang="en-US" sz="1200" dirty="0">
+              <a:solidFill>
+                <a:schemeClr val="tx1"/>
+              </a:solidFill>
+            </a:endParaRPr>
+          </a:p>
+          <a:p>
+            <a:endParaRPr lang="en-US" sz="1200" dirty="0">
+              <a:solidFill>
+                <a:schemeClr val="tx1"/>
+              </a:solidFill>
+            </a:endParaRPr>
+          </a:p>
+          <a:p>
+            <a:endParaRPr lang="en-US" sz="1200" dirty="0">
+              <a:solidFill>
+                <a:schemeClr val="tx1"/>
+              </a:solidFill>
+            </a:endParaRPr>
+          </a:p>
+          <a:p>
+            <a:endParaRPr lang="en-US" sz="1200" dirty="0">
+              <a:solidFill>
+                <a:schemeClr val="tx1"/>
+              </a:solidFill>
+            </a:endParaRPr>
+          </a:p>
+          <a:p>
+            <a:pPr marL="171450" indent="-171450">
+              <a:buFont typeface="Arial" panose="020B0604020202020204" pitchFamily="34" charset="0"/>
+              <a:buChar char="•"/>
+            </a:pPr>
+            <a:endParaRPr lang="en-US" sz="1200" dirty="0">
+              <a:solidFill>
+                <a:schemeClr val="tx1"/>
+              </a:solidFill>
+            </a:endParaRPr>
+          </a:p>
+          <a:p>
+            <a:pPr algn="ctr"/>
+            <a:r>
+              <a:rPr lang="en-US" sz="1200" dirty="0">
+                <a:solidFill>
+                  <a:schemeClr val="tx1"/>
+                </a:solidFill>
+              </a:rPr>
+              <a:t>Logging &amp; monitoring</a:t>
+            </a:r>
+          </a:p>
+          <a:p>
+            <a:pPr algn="ctr"/>
+            <a:endParaRPr lang="en-US" sz="1200" dirty="0">
+              <a:solidFill>
+                <a:schemeClr val="tx1"/>
+              </a:solidFill>
+            </a:endParaRPr>
+          </a:p>
+          <a:p>
+            <a:pPr algn="ctr"/>
+            <a:endParaRPr lang="en-US" sz="1200" dirty="0">
+              <a:solidFill>
+                <a:schemeClr val="tx1"/>
+              </a:solidFill>
+            </a:endParaRPr>
+          </a:p>
+          <a:p>
+            <a:pPr algn="ctr"/>
+            <a:endParaRPr lang="en-US" sz="1200" dirty="0">
+              <a:solidFill>
+                <a:schemeClr val="tx1"/>
+              </a:solidFill>
+            </a:endParaRPr>
+          </a:p>
+          <a:p>
+            <a:pPr algn="ctr"/>
+            <a:endParaRPr lang="en-US" sz="1200" dirty="0">
+              <a:solidFill>
+                <a:schemeClr val="tx1"/>
+              </a:solidFill>
+            </a:endParaRPr>
+          </a:p>
+          <a:p>
+            <a:pPr algn="ctr"/>
+            <a:endParaRPr lang="en-US" sz="1200" dirty="0">
+              <a:solidFill>
+                <a:schemeClr val="tx1"/>
+              </a:solidFill>
+            </a:endParaRPr>
+          </a:p>
+        </p:txBody>
+      </p:sp>
+      <p:cxnSp>
+        <p:nvCxnSpPr>
+          <p:cNvPr id="51" name="Straight Arrow Connector 50">
+            <a:extLst>
+              <a:ext uri="{FF2B5EF4-FFF2-40B4-BE49-F238E27FC236}">
+                <a16:creationId xmlns:a16="http://schemas.microsoft.com/office/drawing/2014/main" id="{FC9ACB1A-CAC8-A221-7150-24ED74EA4153}"/>
+              </a:ext>
+            </a:extLst>
+          </p:cNvPr>
+          <p:cNvCxnSpPr>
+            <a:cxnSpLocks/>
+          </p:cNvCxnSpPr>
+          <p:nvPr/>
+        </p:nvCxnSpPr>
+        <p:spPr>
+          <a:xfrm>
+            <a:off x="5245335" y="1454193"/>
+            <a:ext cx="0" cy="345233"/>
+          </a:xfrm>
+          <a:prstGeom prst="straightConnector1">
+            <a:avLst/>
+          </a:prstGeom>
+          <a:ln w="9525">
+            <a:solidFill>
+              <a:schemeClr val="accent1">
+                <a:lumMod val="40000"/>
+                <a:lumOff val="60000"/>
+              </a:schemeClr>
+            </a:solidFill>
+            <a:headEnd type="triangle"/>
+            <a:tailEnd type="triangle"/>
+          </a:ln>
+        </p:spPr>
+        <p:style>
+          <a:lnRef idx="2">
+            <a:schemeClr val="accent1"/>
+          </a:lnRef>
+          <a:fillRef idx="0">
+            <a:schemeClr val="accent1"/>
+          </a:fillRef>
+          <a:effectRef idx="1">
+            <a:schemeClr val="accent1"/>
+          </a:effectRef>
+          <a:fontRef idx="minor">
+            <a:schemeClr val="tx1"/>
+          </a:fontRef>
+        </p:style>
+      </p:cxnSp>
+      <p:cxnSp>
+        <p:nvCxnSpPr>
+          <p:cNvPr id="52" name="Straight Arrow Connector 51">
+            <a:extLst>
+              <a:ext uri="{FF2B5EF4-FFF2-40B4-BE49-F238E27FC236}">
+                <a16:creationId xmlns:a16="http://schemas.microsoft.com/office/drawing/2014/main" id="{356B1A3A-A0A1-C08D-2A3F-7479A5206F1A}"/>
+              </a:ext>
+            </a:extLst>
+          </p:cNvPr>
+          <p:cNvCxnSpPr>
+            <a:cxnSpLocks/>
+          </p:cNvCxnSpPr>
+          <p:nvPr/>
+        </p:nvCxnSpPr>
+        <p:spPr>
+          <a:xfrm>
+            <a:off x="6834649" y="3102601"/>
+            <a:ext cx="686054" cy="0"/>
+          </a:xfrm>
+          <a:prstGeom prst="straightConnector1">
+            <a:avLst/>
+          </a:prstGeom>
+          <a:ln w="9525">
+            <a:solidFill>
+              <a:schemeClr val="accent1">
+                <a:lumMod val="40000"/>
+                <a:lumOff val="60000"/>
+              </a:schemeClr>
+            </a:solidFill>
+            <a:headEnd type="triangle"/>
+            <a:tailEnd type="triangle"/>
+          </a:ln>
+        </p:spPr>
+        <p:style>
+          <a:lnRef idx="2">
+            <a:schemeClr val="accent1"/>
+          </a:lnRef>
+          <a:fillRef idx="0">
+            <a:schemeClr val="accent1"/>
+          </a:fillRef>
+          <a:effectRef idx="1">
+            <a:schemeClr val="accent1"/>
+          </a:effectRef>
+          <a:fontRef idx="minor">
+            <a:schemeClr val="tx1"/>
+          </a:fontRef>
+        </p:style>
+      </p:cxnSp>
+      <p:sp>
+        <p:nvSpPr>
+          <p:cNvPr id="57" name="Rectangle 56">
+            <a:extLst>
+              <a:ext uri="{FF2B5EF4-FFF2-40B4-BE49-F238E27FC236}">
+                <a16:creationId xmlns:a16="http://schemas.microsoft.com/office/drawing/2014/main" id="{3E8BC474-1412-1427-2BE7-01212DB36750}"/>
+              </a:ext>
+            </a:extLst>
+          </p:cNvPr>
+          <p:cNvSpPr/>
+          <p:nvPr/>
+        </p:nvSpPr>
+        <p:spPr>
+          <a:xfrm>
+            <a:off x="1032817" y="2342154"/>
+            <a:ext cx="1732384" cy="1626648"/>
+          </a:xfrm>
+          <a:prstGeom prst="rect">
+            <a:avLst/>
+          </a:prstGeom>
+          <a:solidFill>
+            <a:schemeClr val="accent5">
+              <a:lumMod val="20000"/>
+              <a:lumOff val="80000"/>
+            </a:schemeClr>
+          </a:solidFill>
+          <a:ln w="9525"/>
+        </p:spPr>
+        <p:style>
+          <a:lnRef idx="2">
+            <a:schemeClr val="accent1">
+              <a:shade val="15000"/>
+            </a:schemeClr>
+          </a:lnRef>
+          <a:fillRef idx="1">
+            <a:schemeClr val="accent1"/>
+          </a:fillRef>
+          <a:effectRef idx="0">
+            <a:schemeClr val="accent1"/>
+          </a:effectRef>
+          <a:fontRef idx="minor">
+            <a:schemeClr val="lt1"/>
+          </a:fontRef>
+        </p:style>
+        <p:txBody>
+          <a:bodyPr rtlCol="0" anchor="ctr"/>
+          <a:lstStyle/>
+          <a:p>
+            <a:pPr algn="ctr"/>
+            <a:r>
+              <a:rPr lang="en-US" sz="1200" dirty="0">
+                <a:solidFill>
+                  <a:schemeClr val="tx1"/>
+                </a:solidFill>
+              </a:rPr>
+              <a:t>Information Retravel</a:t>
+            </a:r>
+          </a:p>
+          <a:p>
+            <a:pPr algn="ctr"/>
+            <a:endParaRPr lang="en-US" sz="1200" dirty="0">
+              <a:solidFill>
+                <a:schemeClr val="tx1"/>
+              </a:solidFill>
+            </a:endParaRPr>
+          </a:p>
+          <a:p>
+            <a:pPr algn="ctr"/>
+            <a:r>
+              <a:rPr lang="en-US" sz="1200" dirty="0">
+                <a:solidFill>
+                  <a:schemeClr val="tx1"/>
+                </a:solidFill>
+              </a:rPr>
+              <a:t>(Vector DBs,</a:t>
+            </a:r>
+          </a:p>
+          <a:p>
+            <a:pPr algn="ctr"/>
+            <a:r>
+              <a:rPr lang="en-US" sz="1200" dirty="0" err="1">
+                <a:solidFill>
+                  <a:schemeClr val="tx1"/>
+                </a:solidFill>
+              </a:rPr>
+              <a:t>GraphDBs</a:t>
+            </a:r>
+            <a:r>
+              <a:rPr lang="en-US" sz="1200" dirty="0">
+                <a:solidFill>
+                  <a:schemeClr val="tx1"/>
+                </a:solidFill>
+              </a:rPr>
+              <a:t>,</a:t>
+            </a:r>
+          </a:p>
+          <a:p>
+            <a:pPr algn="ctr"/>
+            <a:r>
+              <a:rPr lang="en-US" sz="1200" dirty="0">
+                <a:solidFill>
+                  <a:schemeClr val="tx1"/>
+                </a:solidFill>
+              </a:rPr>
+              <a:t>Full text, Lexical,</a:t>
+            </a:r>
+          </a:p>
+          <a:p>
+            <a:pPr algn="ctr"/>
+            <a:r>
+              <a:rPr lang="en-US" sz="1200" dirty="0">
+                <a:solidFill>
+                  <a:schemeClr val="tx1"/>
+                </a:solidFill>
+              </a:rPr>
+              <a:t>No-SQL DBs)</a:t>
+            </a:r>
+          </a:p>
+          <a:p>
+            <a:pPr algn="ctr"/>
+            <a:endParaRPr lang="en-US" sz="1200" dirty="0">
+              <a:solidFill>
+                <a:schemeClr val="tx1"/>
+              </a:solidFill>
+            </a:endParaRPr>
+          </a:p>
+          <a:p>
+            <a:pPr algn="ctr"/>
+            <a:endParaRPr lang="en-US" sz="1200" dirty="0">
+              <a:solidFill>
+                <a:schemeClr val="tx1"/>
+              </a:solidFill>
+            </a:endParaRPr>
+          </a:p>
+          <a:p>
+            <a:pPr algn="ctr"/>
+            <a:endParaRPr lang="en-US" sz="1200" dirty="0">
+              <a:solidFill>
+                <a:schemeClr val="tx1"/>
+              </a:solidFill>
+            </a:endParaRPr>
+          </a:p>
+        </p:txBody>
+      </p:sp>
+      <p:sp>
+        <p:nvSpPr>
+          <p:cNvPr id="61" name="TextBox 60">
+            <a:extLst>
+              <a:ext uri="{FF2B5EF4-FFF2-40B4-BE49-F238E27FC236}">
+                <a16:creationId xmlns:a16="http://schemas.microsoft.com/office/drawing/2014/main" id="{E86149D6-3B19-369E-0C9E-5BBC9709E9D0}"/>
+              </a:ext>
+            </a:extLst>
+          </p:cNvPr>
+          <p:cNvSpPr txBox="1"/>
+          <p:nvPr/>
+        </p:nvSpPr>
+        <p:spPr>
+          <a:xfrm>
+            <a:off x="1207913" y="2065155"/>
+            <a:ext cx="1393372" cy="276999"/>
+          </a:xfrm>
+          <a:prstGeom prst="rect">
+            <a:avLst/>
+          </a:prstGeom>
+          <a:noFill/>
+          <a:ln w="9525">
+            <a:noFill/>
+          </a:ln>
+        </p:spPr>
+        <p:txBody>
+          <a:bodyPr wrap="square" rtlCol="0">
+            <a:spAutoFit/>
+          </a:bodyPr>
+          <a:lstStyle/>
+          <a:p>
+            <a:pPr algn="ctr"/>
+            <a:r>
+              <a:rPr lang="en-US" sz="1200" dirty="0"/>
+              <a:t>Data</a:t>
+            </a:r>
+          </a:p>
+        </p:txBody>
+      </p:sp>
+      <p:cxnSp>
+        <p:nvCxnSpPr>
+          <p:cNvPr id="62" name="Straight Arrow Connector 61">
+            <a:extLst>
+              <a:ext uri="{FF2B5EF4-FFF2-40B4-BE49-F238E27FC236}">
+                <a16:creationId xmlns:a16="http://schemas.microsoft.com/office/drawing/2014/main" id="{27C73831-59E0-146E-F162-21895BF84FE0}"/>
+              </a:ext>
+            </a:extLst>
+          </p:cNvPr>
+          <p:cNvCxnSpPr>
+            <a:cxnSpLocks/>
+          </p:cNvCxnSpPr>
+          <p:nvPr/>
+        </p:nvCxnSpPr>
+        <p:spPr>
+          <a:xfrm>
+            <a:off x="2909571" y="3035732"/>
+            <a:ext cx="686054" cy="0"/>
+          </a:xfrm>
+          <a:prstGeom prst="straightConnector1">
+            <a:avLst/>
+          </a:prstGeom>
+          <a:ln w="9525">
+            <a:solidFill>
+              <a:schemeClr val="accent1">
+                <a:lumMod val="40000"/>
+                <a:lumOff val="60000"/>
+              </a:schemeClr>
+            </a:solidFill>
+            <a:headEnd type="triangle"/>
+            <a:tailEnd type="triangle"/>
+          </a:ln>
+        </p:spPr>
+        <p:style>
+          <a:lnRef idx="2">
+            <a:schemeClr val="accent1"/>
+          </a:lnRef>
+          <a:fillRef idx="0">
+            <a:schemeClr val="accent1"/>
+          </a:fillRef>
+          <a:effectRef idx="1">
+            <a:schemeClr val="accent1"/>
+          </a:effectRef>
+          <a:fontRef idx="minor">
+            <a:schemeClr val="tx1"/>
+          </a:fontRef>
+        </p:style>
+      </p:cxnSp>
+      <p:sp>
+        <p:nvSpPr>
+          <p:cNvPr id="1029" name="Rectangle 1028">
+            <a:extLst>
+              <a:ext uri="{FF2B5EF4-FFF2-40B4-BE49-F238E27FC236}">
+                <a16:creationId xmlns:a16="http://schemas.microsoft.com/office/drawing/2014/main" id="{77B18EB4-9DD2-C931-9315-A66094302A81}"/>
+              </a:ext>
+            </a:extLst>
+          </p:cNvPr>
+          <p:cNvSpPr/>
+          <p:nvPr/>
+        </p:nvSpPr>
+        <p:spPr>
+          <a:xfrm>
+            <a:off x="566290" y="992327"/>
+            <a:ext cx="2488160" cy="727786"/>
+          </a:xfrm>
+          <a:prstGeom prst="rect">
+            <a:avLst/>
+          </a:prstGeom>
+          <a:solidFill>
+            <a:srgbClr val="FFC000"/>
+          </a:solidFill>
+          <a:ln w="9525"/>
+        </p:spPr>
+        <p:style>
+          <a:lnRef idx="2">
+            <a:schemeClr val="accent1">
+              <a:shade val="15000"/>
+            </a:schemeClr>
+          </a:lnRef>
+          <a:fillRef idx="1">
+            <a:schemeClr val="accent1"/>
+          </a:fillRef>
+          <a:effectRef idx="0">
+            <a:schemeClr val="accent1"/>
+          </a:effectRef>
+          <a:fontRef idx="minor">
+            <a:schemeClr val="lt1"/>
+          </a:fontRef>
+        </p:style>
+        <p:txBody>
+          <a:bodyPr rtlCol="0" anchor="ctr"/>
+          <a:lstStyle/>
+          <a:p>
+            <a:pPr algn="ctr"/>
+            <a:r>
+              <a:rPr lang="en-US" sz="1200" dirty="0">
+                <a:solidFill>
+                  <a:schemeClr val="tx1"/>
+                </a:solidFill>
+              </a:rPr>
+              <a:t>Tools</a:t>
+            </a:r>
+          </a:p>
+          <a:p>
+            <a:pPr algn="ctr"/>
+            <a:endParaRPr lang="en-US" sz="1200" dirty="0">
+              <a:solidFill>
+                <a:schemeClr val="tx1"/>
+              </a:solidFill>
+            </a:endParaRPr>
+          </a:p>
+          <a:p>
+            <a:pPr algn="ctr"/>
+            <a:endParaRPr lang="en-US" sz="1200" dirty="0">
+              <a:solidFill>
+                <a:schemeClr val="tx1"/>
+              </a:solidFill>
+            </a:endParaRPr>
+          </a:p>
+          <a:p>
+            <a:pPr algn="ctr"/>
+            <a:endParaRPr lang="en-US" sz="1200" dirty="0">
+              <a:solidFill>
+                <a:schemeClr val="tx1"/>
+              </a:solidFill>
+            </a:endParaRPr>
+          </a:p>
+          <a:p>
+            <a:pPr algn="ctr"/>
+            <a:endParaRPr lang="en-US" sz="1200" dirty="0">
+              <a:solidFill>
+                <a:schemeClr val="tx1"/>
+              </a:solidFill>
+            </a:endParaRPr>
+          </a:p>
+          <a:p>
+            <a:pPr algn="ctr"/>
+            <a:endParaRPr lang="en-US" sz="1200" dirty="0">
+              <a:solidFill>
+                <a:schemeClr val="tx1"/>
+              </a:solidFill>
+            </a:endParaRPr>
+          </a:p>
+        </p:txBody>
+      </p:sp>
+      <p:sp>
+        <p:nvSpPr>
+          <p:cNvPr id="1031" name="Rectangle 1030">
+            <a:extLst>
+              <a:ext uri="{FF2B5EF4-FFF2-40B4-BE49-F238E27FC236}">
+                <a16:creationId xmlns:a16="http://schemas.microsoft.com/office/drawing/2014/main" id="{D7A0F40A-FB49-6B6A-1441-7B94E72A9CEF}"/>
+              </a:ext>
+            </a:extLst>
+          </p:cNvPr>
+          <p:cNvSpPr/>
+          <p:nvPr/>
+        </p:nvSpPr>
+        <p:spPr>
+          <a:xfrm>
+            <a:off x="748233" y="1078734"/>
+            <a:ext cx="569168" cy="537289"/>
+          </a:xfrm>
+          <a:prstGeom prst="rect">
+            <a:avLst/>
+          </a:prstGeom>
+          <a:solidFill>
+            <a:schemeClr val="accent3">
+              <a:lumMod val="20000"/>
+              <a:lumOff val="80000"/>
+            </a:schemeClr>
+          </a:solidFill>
+          <a:ln w="9525"/>
+        </p:spPr>
+        <p:style>
+          <a:lnRef idx="2">
+            <a:schemeClr val="accent1">
+              <a:shade val="15000"/>
+            </a:schemeClr>
+          </a:lnRef>
+          <a:fillRef idx="1">
+            <a:schemeClr val="accent1"/>
+          </a:fillRef>
+          <a:effectRef idx="0">
+            <a:schemeClr val="accent1"/>
+          </a:effectRef>
+          <a:fontRef idx="minor">
+            <a:schemeClr val="lt1"/>
+          </a:fontRef>
+        </p:style>
+        <p:txBody>
+          <a:bodyPr rtlCol="0" anchor="ctr"/>
+          <a:lstStyle/>
+          <a:p>
+            <a:pPr marL="171450" indent="-171450">
+              <a:buFont typeface="Arial" panose="020B0604020202020204" pitchFamily="34" charset="0"/>
+              <a:buChar char="•"/>
+            </a:pPr>
+            <a:endParaRPr lang="en-US" sz="1200" dirty="0">
+              <a:solidFill>
+                <a:schemeClr val="tx1"/>
+              </a:solidFill>
+            </a:endParaRPr>
+          </a:p>
+          <a:p>
+            <a:endParaRPr lang="en-US" sz="1200" dirty="0">
+              <a:solidFill>
+                <a:schemeClr val="tx1"/>
+              </a:solidFill>
+            </a:endParaRPr>
+          </a:p>
+          <a:p>
+            <a:endParaRPr lang="en-US" sz="1200" dirty="0">
+              <a:solidFill>
+                <a:schemeClr val="tx1"/>
+              </a:solidFill>
+            </a:endParaRPr>
+          </a:p>
+          <a:p>
+            <a:endParaRPr lang="en-US" sz="1200" dirty="0">
+              <a:solidFill>
+                <a:schemeClr val="tx1"/>
+              </a:solidFill>
+            </a:endParaRPr>
+          </a:p>
+          <a:p>
+            <a:pPr algn="ctr"/>
+            <a:r>
+              <a:rPr lang="en-US" sz="1200" dirty="0">
+                <a:solidFill>
+                  <a:schemeClr val="tx1"/>
+                </a:solidFill>
+              </a:rPr>
+              <a:t>APIs</a:t>
+            </a:r>
+          </a:p>
+          <a:p>
+            <a:pPr algn="ctr"/>
+            <a:endParaRPr lang="en-US" sz="1200" dirty="0">
+              <a:solidFill>
+                <a:schemeClr val="tx1"/>
+              </a:solidFill>
+            </a:endParaRPr>
+          </a:p>
+          <a:p>
+            <a:pPr algn="ctr"/>
+            <a:endParaRPr lang="en-US" sz="1200" dirty="0">
+              <a:solidFill>
+                <a:schemeClr val="tx1"/>
+              </a:solidFill>
+            </a:endParaRPr>
+          </a:p>
+          <a:p>
+            <a:pPr algn="ctr"/>
+            <a:endParaRPr lang="en-US" sz="1200" dirty="0">
+              <a:solidFill>
+                <a:schemeClr val="tx1"/>
+              </a:solidFill>
+            </a:endParaRPr>
+          </a:p>
+          <a:p>
+            <a:pPr algn="ctr"/>
+            <a:endParaRPr lang="en-US" sz="1200" dirty="0">
+              <a:solidFill>
+                <a:schemeClr val="tx1"/>
+              </a:solidFill>
+            </a:endParaRPr>
+          </a:p>
+        </p:txBody>
+      </p:sp>
+      <p:sp>
+        <p:nvSpPr>
+          <p:cNvPr id="1033" name="Rectangle 1032">
+            <a:extLst>
+              <a:ext uri="{FF2B5EF4-FFF2-40B4-BE49-F238E27FC236}">
+                <a16:creationId xmlns:a16="http://schemas.microsoft.com/office/drawing/2014/main" id="{01D229D2-C44E-59CA-D8EE-CA2F93F41A16}"/>
+              </a:ext>
+            </a:extLst>
+          </p:cNvPr>
+          <p:cNvSpPr/>
+          <p:nvPr/>
+        </p:nvSpPr>
+        <p:spPr>
+          <a:xfrm>
+            <a:off x="1415372" y="1078732"/>
+            <a:ext cx="802433" cy="537289"/>
+          </a:xfrm>
+          <a:prstGeom prst="rect">
+            <a:avLst/>
+          </a:prstGeom>
+          <a:solidFill>
+            <a:schemeClr val="accent3">
+              <a:lumMod val="20000"/>
+              <a:lumOff val="80000"/>
+            </a:schemeClr>
+          </a:solidFill>
+          <a:ln w="9525"/>
+        </p:spPr>
+        <p:style>
+          <a:lnRef idx="2">
+            <a:schemeClr val="accent1">
+              <a:shade val="15000"/>
+            </a:schemeClr>
+          </a:lnRef>
+          <a:fillRef idx="1">
+            <a:schemeClr val="accent1"/>
+          </a:fillRef>
+          <a:effectRef idx="0">
+            <a:schemeClr val="accent1"/>
+          </a:effectRef>
+          <a:fontRef idx="minor">
+            <a:schemeClr val="lt1"/>
+          </a:fontRef>
+        </p:style>
+        <p:txBody>
+          <a:bodyPr rtlCol="0" anchor="ctr"/>
+          <a:lstStyle/>
+          <a:p>
+            <a:pPr marL="171450" indent="-171450">
+              <a:buFont typeface="Arial" panose="020B0604020202020204" pitchFamily="34" charset="0"/>
+              <a:buChar char="•"/>
+            </a:pPr>
+            <a:endParaRPr lang="en-US" sz="1200" dirty="0">
+              <a:solidFill>
+                <a:schemeClr val="tx1"/>
+              </a:solidFill>
+            </a:endParaRPr>
+          </a:p>
+          <a:p>
+            <a:endParaRPr lang="en-US" sz="1200" dirty="0">
+              <a:solidFill>
+                <a:schemeClr val="tx1"/>
+              </a:solidFill>
+            </a:endParaRPr>
+          </a:p>
+          <a:p>
+            <a:endParaRPr lang="en-US" sz="1200" dirty="0">
+              <a:solidFill>
+                <a:schemeClr val="tx1"/>
+              </a:solidFill>
+            </a:endParaRPr>
+          </a:p>
+          <a:p>
+            <a:endParaRPr lang="en-US" sz="1200" dirty="0">
+              <a:solidFill>
+                <a:schemeClr val="tx1"/>
+              </a:solidFill>
+            </a:endParaRPr>
+          </a:p>
+          <a:p>
+            <a:pPr algn="ctr"/>
+            <a:r>
+              <a:rPr lang="en-US" sz="1200" dirty="0">
+                <a:solidFill>
+                  <a:schemeClr val="tx1"/>
+                </a:solidFill>
+              </a:rPr>
+              <a:t>Other agents</a:t>
+            </a:r>
+          </a:p>
+          <a:p>
+            <a:pPr algn="ctr"/>
+            <a:endParaRPr lang="en-US" sz="1200" dirty="0">
+              <a:solidFill>
+                <a:schemeClr val="tx1"/>
+              </a:solidFill>
+            </a:endParaRPr>
+          </a:p>
+          <a:p>
+            <a:pPr algn="ctr"/>
+            <a:endParaRPr lang="en-US" sz="1200" dirty="0">
+              <a:solidFill>
+                <a:schemeClr val="tx1"/>
+              </a:solidFill>
+            </a:endParaRPr>
+          </a:p>
+          <a:p>
+            <a:pPr algn="ctr"/>
+            <a:endParaRPr lang="en-US" sz="1200" dirty="0">
+              <a:solidFill>
+                <a:schemeClr val="tx1"/>
+              </a:solidFill>
+            </a:endParaRPr>
+          </a:p>
+          <a:p>
+            <a:pPr algn="ctr"/>
+            <a:endParaRPr lang="en-US" sz="1200" dirty="0">
+              <a:solidFill>
+                <a:schemeClr val="tx1"/>
+              </a:solidFill>
+            </a:endParaRPr>
+          </a:p>
+        </p:txBody>
+      </p:sp>
+      <p:sp>
+        <p:nvSpPr>
+          <p:cNvPr id="1035" name="Rectangle 1034">
+            <a:extLst>
+              <a:ext uri="{FF2B5EF4-FFF2-40B4-BE49-F238E27FC236}">
+                <a16:creationId xmlns:a16="http://schemas.microsoft.com/office/drawing/2014/main" id="{D696AEAE-1646-8AE3-D2EE-87C658D84376}"/>
+              </a:ext>
+            </a:extLst>
+          </p:cNvPr>
+          <p:cNvSpPr/>
+          <p:nvPr/>
+        </p:nvSpPr>
+        <p:spPr>
+          <a:xfrm>
+            <a:off x="2316701" y="1078733"/>
+            <a:ext cx="670064" cy="537289"/>
+          </a:xfrm>
+          <a:prstGeom prst="rect">
+            <a:avLst/>
+          </a:prstGeom>
+          <a:solidFill>
+            <a:schemeClr val="accent3">
+              <a:lumMod val="20000"/>
+              <a:lumOff val="80000"/>
+            </a:schemeClr>
+          </a:solidFill>
+          <a:ln w="9525"/>
+        </p:spPr>
+        <p:style>
+          <a:lnRef idx="2">
+            <a:schemeClr val="accent1">
+              <a:shade val="15000"/>
+            </a:schemeClr>
+          </a:lnRef>
+          <a:fillRef idx="1">
+            <a:schemeClr val="accent1"/>
+          </a:fillRef>
+          <a:effectRef idx="0">
+            <a:schemeClr val="accent1"/>
+          </a:effectRef>
+          <a:fontRef idx="minor">
+            <a:schemeClr val="lt1"/>
+          </a:fontRef>
+        </p:style>
+        <p:txBody>
+          <a:bodyPr rtlCol="0" anchor="ctr"/>
+          <a:lstStyle/>
+          <a:p>
+            <a:pPr marL="171450" indent="-171450">
+              <a:buFont typeface="Arial" panose="020B0604020202020204" pitchFamily="34" charset="0"/>
+              <a:buChar char="•"/>
+            </a:pPr>
+            <a:endParaRPr lang="en-US" sz="1200" dirty="0">
+              <a:solidFill>
+                <a:schemeClr val="tx1"/>
+              </a:solidFill>
+            </a:endParaRPr>
+          </a:p>
+          <a:p>
+            <a:endParaRPr lang="en-US" sz="1200" dirty="0">
+              <a:solidFill>
+                <a:schemeClr val="tx1"/>
+              </a:solidFill>
+            </a:endParaRPr>
+          </a:p>
+          <a:p>
+            <a:endParaRPr lang="en-US" sz="1200" dirty="0">
+              <a:solidFill>
+                <a:schemeClr val="tx1"/>
+              </a:solidFill>
+            </a:endParaRPr>
+          </a:p>
+          <a:p>
+            <a:endParaRPr lang="en-US" sz="1200" dirty="0">
+              <a:solidFill>
+                <a:schemeClr val="tx1"/>
+              </a:solidFill>
+            </a:endParaRPr>
+          </a:p>
+          <a:p>
+            <a:pPr algn="ctr"/>
+            <a:r>
+              <a:rPr lang="en-US" sz="1200" dirty="0">
+                <a:solidFill>
+                  <a:schemeClr val="tx1"/>
+                </a:solidFill>
+              </a:rPr>
+              <a:t>Google search</a:t>
+            </a:r>
+          </a:p>
+          <a:p>
+            <a:pPr algn="ctr"/>
+            <a:endParaRPr lang="en-US" sz="1200" dirty="0">
+              <a:solidFill>
+                <a:schemeClr val="tx1"/>
+              </a:solidFill>
+            </a:endParaRPr>
+          </a:p>
+          <a:p>
+            <a:pPr algn="ctr"/>
+            <a:endParaRPr lang="en-US" sz="1200" dirty="0">
+              <a:solidFill>
+                <a:schemeClr val="tx1"/>
+              </a:solidFill>
+            </a:endParaRPr>
+          </a:p>
+          <a:p>
+            <a:pPr algn="ctr"/>
+            <a:endParaRPr lang="en-US" sz="1200" dirty="0">
+              <a:solidFill>
+                <a:schemeClr val="tx1"/>
+              </a:solidFill>
+            </a:endParaRPr>
+          </a:p>
+          <a:p>
+            <a:pPr algn="ctr"/>
+            <a:endParaRPr lang="en-US" sz="1200" dirty="0">
+              <a:solidFill>
+                <a:schemeClr val="tx1"/>
+              </a:solidFill>
+            </a:endParaRPr>
+          </a:p>
+        </p:txBody>
+      </p:sp>
+      <p:cxnSp>
+        <p:nvCxnSpPr>
+          <p:cNvPr id="1038" name="Curved Connector 1037">
+            <a:extLst>
+              <a:ext uri="{FF2B5EF4-FFF2-40B4-BE49-F238E27FC236}">
+                <a16:creationId xmlns:a16="http://schemas.microsoft.com/office/drawing/2014/main" id="{F34402AB-7B44-F00F-8D93-B9A05FCCAE7D}"/>
+              </a:ext>
+            </a:extLst>
+          </p:cNvPr>
+          <p:cNvCxnSpPr/>
+          <p:nvPr/>
+        </p:nvCxnSpPr>
+        <p:spPr>
+          <a:xfrm>
+            <a:off x="3160198" y="1454193"/>
+            <a:ext cx="435427" cy="432318"/>
+          </a:xfrm>
+          <a:prstGeom prst="curvedConnector3">
+            <a:avLst/>
+          </a:prstGeom>
+          <a:ln w="9525">
+            <a:solidFill>
+              <a:schemeClr val="accent1">
+                <a:lumMod val="40000"/>
+                <a:lumOff val="60000"/>
+              </a:schemeClr>
+            </a:solidFill>
+            <a:headEnd type="triangle"/>
+            <a:tailEnd type="triangle"/>
+          </a:ln>
+        </p:spPr>
+        <p:style>
+          <a:lnRef idx="2">
+            <a:schemeClr val="accent1"/>
+          </a:lnRef>
+          <a:fillRef idx="0">
+            <a:schemeClr val="accent1"/>
+          </a:fillRef>
+          <a:effectRef idx="1">
+            <a:schemeClr val="accent1"/>
+          </a:effectRef>
+          <a:fontRef idx="minor">
+            <a:schemeClr val="tx1"/>
+          </a:fontRef>
+        </p:style>
+      </p:cxnSp>
+      <p:sp>
+        <p:nvSpPr>
+          <p:cNvPr id="1039" name="Rectangle 1038">
+            <a:extLst>
+              <a:ext uri="{FF2B5EF4-FFF2-40B4-BE49-F238E27FC236}">
+                <a16:creationId xmlns:a16="http://schemas.microsoft.com/office/drawing/2014/main" id="{3A618A1E-AE2B-2135-C0EA-48BE34586DBB}"/>
+              </a:ext>
+            </a:extLst>
+          </p:cNvPr>
+          <p:cNvSpPr/>
+          <p:nvPr/>
+        </p:nvSpPr>
+        <p:spPr>
+          <a:xfrm>
+            <a:off x="566290" y="4351352"/>
+            <a:ext cx="2488160" cy="727786"/>
+          </a:xfrm>
+          <a:prstGeom prst="rect">
+            <a:avLst/>
+          </a:prstGeom>
+          <a:solidFill>
+            <a:srgbClr val="FFC000"/>
+          </a:solidFill>
+          <a:ln w="9525"/>
+        </p:spPr>
+        <p:style>
+          <a:lnRef idx="2">
+            <a:schemeClr val="accent1">
+              <a:shade val="15000"/>
+            </a:schemeClr>
+          </a:lnRef>
+          <a:fillRef idx="1">
+            <a:schemeClr val="accent1"/>
+          </a:fillRef>
+          <a:effectRef idx="0">
+            <a:schemeClr val="accent1"/>
+          </a:effectRef>
+          <a:fontRef idx="minor">
+            <a:schemeClr val="lt1"/>
+          </a:fontRef>
+        </p:style>
+        <p:txBody>
+          <a:bodyPr rtlCol="0" anchor="ctr"/>
+          <a:lstStyle/>
+          <a:p>
+            <a:pPr algn="ctr"/>
+            <a:r>
+              <a:rPr lang="en-US" sz="1200" dirty="0">
+                <a:solidFill>
+                  <a:schemeClr val="tx1"/>
+                </a:solidFill>
+              </a:rPr>
+              <a:t>Guardrails</a:t>
+            </a:r>
+          </a:p>
+          <a:p>
+            <a:pPr algn="ctr"/>
+            <a:endParaRPr lang="en-US" sz="1200" dirty="0">
+              <a:solidFill>
+                <a:schemeClr val="tx1"/>
+              </a:solidFill>
+            </a:endParaRPr>
+          </a:p>
+          <a:p>
+            <a:pPr algn="ctr"/>
+            <a:r>
+              <a:rPr lang="en-US" sz="1200" dirty="0">
+                <a:solidFill>
+                  <a:schemeClr val="tx1"/>
+                </a:solidFill>
+              </a:rPr>
+              <a:t>Nemo, </a:t>
+            </a:r>
+            <a:r>
+              <a:rPr lang="en-US" sz="1200" dirty="0" err="1">
+                <a:solidFill>
+                  <a:schemeClr val="tx1"/>
+                </a:solidFill>
+              </a:rPr>
+              <a:t>Guardrails.ai</a:t>
+            </a:r>
+            <a:endParaRPr lang="en-US" sz="1200" dirty="0">
+              <a:solidFill>
+                <a:schemeClr val="tx1"/>
+              </a:solidFill>
+            </a:endParaRPr>
+          </a:p>
+          <a:p>
+            <a:pPr algn="ctr"/>
+            <a:endParaRPr lang="en-US" sz="1200" dirty="0">
+              <a:solidFill>
+                <a:schemeClr val="tx1"/>
+              </a:solidFill>
+            </a:endParaRPr>
+          </a:p>
+          <a:p>
+            <a:pPr algn="ctr"/>
+            <a:endParaRPr lang="en-US" sz="1200" dirty="0">
+              <a:solidFill>
+                <a:schemeClr val="tx1"/>
+              </a:solidFill>
+            </a:endParaRPr>
+          </a:p>
+          <a:p>
+            <a:pPr algn="ctr"/>
+            <a:endParaRPr lang="en-US" sz="1200" dirty="0">
+              <a:solidFill>
+                <a:schemeClr val="tx1"/>
+              </a:solidFill>
+            </a:endParaRPr>
+          </a:p>
+        </p:txBody>
+      </p:sp>
+      <p:sp>
+        <p:nvSpPr>
+          <p:cNvPr id="1041" name="Rectangle 1040">
+            <a:extLst>
+              <a:ext uri="{FF2B5EF4-FFF2-40B4-BE49-F238E27FC236}">
+                <a16:creationId xmlns:a16="http://schemas.microsoft.com/office/drawing/2014/main" id="{7ABD7159-0091-4D76-E2D2-512ADFFC4880}"/>
+              </a:ext>
+            </a:extLst>
+          </p:cNvPr>
+          <p:cNvSpPr/>
+          <p:nvPr/>
+        </p:nvSpPr>
+        <p:spPr>
+          <a:xfrm>
+            <a:off x="3928121" y="4783149"/>
+            <a:ext cx="2488160" cy="299875"/>
+          </a:xfrm>
+          <a:prstGeom prst="rect">
+            <a:avLst/>
+          </a:prstGeom>
+          <a:solidFill>
+            <a:schemeClr val="tx2">
+              <a:lumMod val="10000"/>
+              <a:lumOff val="90000"/>
+            </a:schemeClr>
+          </a:solidFill>
+          <a:ln w="9525"/>
+        </p:spPr>
+        <p:style>
+          <a:lnRef idx="2">
+            <a:schemeClr val="accent1">
+              <a:shade val="15000"/>
+            </a:schemeClr>
+          </a:lnRef>
+          <a:fillRef idx="1">
+            <a:schemeClr val="accent1"/>
+          </a:fillRef>
+          <a:effectRef idx="0">
+            <a:schemeClr val="accent1"/>
+          </a:effectRef>
+          <a:fontRef idx="minor">
+            <a:schemeClr val="lt1"/>
+          </a:fontRef>
+        </p:style>
+        <p:txBody>
+          <a:bodyPr rtlCol="0" anchor="ctr"/>
+          <a:lstStyle/>
+          <a:p>
+            <a:pPr algn="ctr"/>
+            <a:endParaRPr lang="en-US" sz="1200" dirty="0">
+              <a:solidFill>
+                <a:schemeClr val="tx1"/>
+              </a:solidFill>
+            </a:endParaRPr>
+          </a:p>
+          <a:p>
+            <a:pPr algn="ctr"/>
+            <a:r>
+              <a:rPr lang="en-US" sz="1200" dirty="0">
+                <a:solidFill>
+                  <a:schemeClr val="tx1"/>
+                </a:solidFill>
+              </a:rPr>
+              <a:t>LLM proxy (</a:t>
+            </a:r>
+            <a:r>
+              <a:rPr lang="en-US" sz="1200" dirty="0" err="1">
+                <a:solidFill>
+                  <a:schemeClr val="tx1"/>
+                </a:solidFill>
+              </a:rPr>
+              <a:t>LiteLLM</a:t>
+            </a:r>
+            <a:r>
+              <a:rPr lang="en-US" sz="1200" dirty="0">
+                <a:solidFill>
+                  <a:schemeClr val="tx1"/>
+                </a:solidFill>
+              </a:rPr>
+              <a:t>)</a:t>
+            </a:r>
+          </a:p>
+          <a:p>
+            <a:pPr algn="ctr"/>
+            <a:endParaRPr lang="en-US" sz="1200" dirty="0">
+              <a:solidFill>
+                <a:schemeClr val="tx1"/>
+              </a:solidFill>
+            </a:endParaRPr>
+          </a:p>
+        </p:txBody>
+      </p:sp>
+      <p:cxnSp>
+        <p:nvCxnSpPr>
+          <p:cNvPr id="1043" name="Straight Arrow Connector 1042">
+            <a:extLst>
+              <a:ext uri="{FF2B5EF4-FFF2-40B4-BE49-F238E27FC236}">
+                <a16:creationId xmlns:a16="http://schemas.microsoft.com/office/drawing/2014/main" id="{AB0D4D1B-9965-0147-946B-BFD145F59341}"/>
+              </a:ext>
+            </a:extLst>
+          </p:cNvPr>
+          <p:cNvCxnSpPr>
+            <a:cxnSpLocks/>
+          </p:cNvCxnSpPr>
+          <p:nvPr/>
+        </p:nvCxnSpPr>
+        <p:spPr>
+          <a:xfrm>
+            <a:off x="5245335" y="4370012"/>
+            <a:ext cx="0" cy="345233"/>
+          </a:xfrm>
+          <a:prstGeom prst="straightConnector1">
+            <a:avLst/>
+          </a:prstGeom>
+          <a:ln w="9525">
+            <a:solidFill>
+              <a:schemeClr val="accent1">
+                <a:lumMod val="40000"/>
+                <a:lumOff val="60000"/>
+              </a:schemeClr>
+            </a:solidFill>
+            <a:headEnd type="triangle"/>
+            <a:tailEnd type="triangle"/>
+          </a:ln>
+        </p:spPr>
+        <p:style>
+          <a:lnRef idx="2">
+            <a:schemeClr val="accent1"/>
+          </a:lnRef>
+          <a:fillRef idx="0">
+            <a:schemeClr val="accent1"/>
+          </a:fillRef>
+          <a:effectRef idx="1">
+            <a:schemeClr val="accent1"/>
+          </a:effectRef>
+          <a:fontRef idx="minor">
+            <a:schemeClr val="tx1"/>
+          </a:fontRef>
+        </p:style>
+      </p:cxnSp>
+      <p:sp>
+        <p:nvSpPr>
+          <p:cNvPr id="1044" name="Rectangle 1043">
+            <a:extLst>
+              <a:ext uri="{FF2B5EF4-FFF2-40B4-BE49-F238E27FC236}">
+                <a16:creationId xmlns:a16="http://schemas.microsoft.com/office/drawing/2014/main" id="{8836D985-284F-57C9-7332-A25C5FC72A3E}"/>
+              </a:ext>
+            </a:extLst>
+          </p:cNvPr>
+          <p:cNvSpPr/>
+          <p:nvPr/>
+        </p:nvSpPr>
+        <p:spPr>
+          <a:xfrm>
+            <a:off x="3682710" y="5527395"/>
+            <a:ext cx="3051111" cy="1049305"/>
+          </a:xfrm>
+          <a:prstGeom prst="rect">
+            <a:avLst/>
+          </a:prstGeom>
+          <a:solidFill>
+            <a:schemeClr val="tx2">
+              <a:lumMod val="10000"/>
+              <a:lumOff val="90000"/>
+            </a:schemeClr>
+          </a:solidFill>
+          <a:ln w="9525"/>
+        </p:spPr>
+        <p:style>
+          <a:lnRef idx="2">
+            <a:schemeClr val="accent1">
+              <a:shade val="15000"/>
+            </a:schemeClr>
+          </a:lnRef>
+          <a:fillRef idx="1">
+            <a:schemeClr val="accent1"/>
+          </a:fillRef>
+          <a:effectRef idx="0">
+            <a:schemeClr val="accent1"/>
+          </a:effectRef>
+          <a:fontRef idx="minor">
+            <a:schemeClr val="lt1"/>
+          </a:fontRef>
+        </p:style>
+        <p:txBody>
+          <a:bodyPr rtlCol="0" anchor="ctr"/>
+          <a:lstStyle/>
+          <a:p>
+            <a:pPr algn="ctr"/>
+            <a:endParaRPr lang="en-US" sz="1200" dirty="0">
+              <a:solidFill>
+                <a:schemeClr val="tx1"/>
+              </a:solidFill>
+            </a:endParaRPr>
+          </a:p>
+          <a:p>
+            <a:pPr algn="ctr"/>
+            <a:endParaRPr lang="en-US" sz="1200" dirty="0">
+              <a:solidFill>
+                <a:schemeClr val="tx1"/>
+              </a:solidFill>
+            </a:endParaRPr>
+          </a:p>
+          <a:p>
+            <a:pPr algn="ctr"/>
+            <a:r>
+              <a:rPr lang="en-US" sz="1200" dirty="0">
+                <a:solidFill>
+                  <a:schemeClr val="tx1"/>
+                </a:solidFill>
+              </a:rPr>
+              <a:t>LLMs</a:t>
+            </a:r>
+          </a:p>
+          <a:p>
+            <a:pPr marL="171450" indent="-171450">
+              <a:buFont typeface="Arial" panose="020B0604020202020204" pitchFamily="34" charset="0"/>
+              <a:buChar char="•"/>
+            </a:pPr>
+            <a:r>
+              <a:rPr lang="en-US" sz="1200" dirty="0">
+                <a:solidFill>
+                  <a:schemeClr val="tx1"/>
+                </a:solidFill>
+              </a:rPr>
+              <a:t>Reasoning LLMs: o1, Gemini 2.0 Flash, </a:t>
+            </a:r>
+            <a:r>
+              <a:rPr lang="en-US" sz="1200" dirty="0" err="1">
+                <a:solidFill>
+                  <a:schemeClr val="tx1"/>
+                </a:solidFill>
+              </a:rPr>
+              <a:t>DeepSeek</a:t>
+            </a:r>
+            <a:r>
+              <a:rPr lang="en-US" sz="1200" dirty="0">
+                <a:solidFill>
+                  <a:schemeClr val="tx1"/>
+                </a:solidFill>
+              </a:rPr>
+              <a:t> 3.0</a:t>
+            </a:r>
+          </a:p>
+          <a:p>
+            <a:pPr marL="171450" indent="-171450">
+              <a:buFont typeface="Arial" panose="020B0604020202020204" pitchFamily="34" charset="0"/>
+              <a:buChar char="•"/>
+            </a:pPr>
+            <a:r>
+              <a:rPr lang="en-US" sz="1200" dirty="0">
+                <a:solidFill>
+                  <a:schemeClr val="tx1"/>
+                </a:solidFill>
+              </a:rPr>
+              <a:t>Traditional LLMs : GPT-4o, Claude 3.5 Sonnet, Llama 3.3</a:t>
+            </a:r>
+          </a:p>
+          <a:p>
+            <a:pPr algn="ctr"/>
+            <a:endParaRPr lang="en-US" sz="1200" dirty="0">
+              <a:solidFill>
+                <a:schemeClr val="tx1"/>
+              </a:solidFill>
+            </a:endParaRPr>
+          </a:p>
+          <a:p>
+            <a:pPr algn="ctr"/>
+            <a:endParaRPr lang="en-US" sz="1200" dirty="0">
+              <a:solidFill>
+                <a:schemeClr val="tx1"/>
+              </a:solidFill>
+            </a:endParaRPr>
+          </a:p>
+        </p:txBody>
+      </p:sp>
+      <p:cxnSp>
+        <p:nvCxnSpPr>
+          <p:cNvPr id="1045" name="Straight Arrow Connector 1044">
+            <a:extLst>
+              <a:ext uri="{FF2B5EF4-FFF2-40B4-BE49-F238E27FC236}">
+                <a16:creationId xmlns:a16="http://schemas.microsoft.com/office/drawing/2014/main" id="{9018A9DD-99A3-F533-9CB3-72CFD51D9CC8}"/>
+              </a:ext>
+            </a:extLst>
+          </p:cNvPr>
+          <p:cNvCxnSpPr>
+            <a:cxnSpLocks/>
+          </p:cNvCxnSpPr>
+          <p:nvPr/>
+        </p:nvCxnSpPr>
+        <p:spPr>
+          <a:xfrm>
+            <a:off x="5243526" y="5116462"/>
+            <a:ext cx="0" cy="345233"/>
+          </a:xfrm>
+          <a:prstGeom prst="straightConnector1">
+            <a:avLst/>
+          </a:prstGeom>
+          <a:ln w="9525">
+            <a:solidFill>
+              <a:schemeClr val="accent1">
+                <a:lumMod val="40000"/>
+                <a:lumOff val="60000"/>
+              </a:schemeClr>
+            </a:solidFill>
+            <a:headEnd type="triangle"/>
+            <a:tailEnd type="triangle"/>
+          </a:ln>
+        </p:spPr>
+        <p:style>
+          <a:lnRef idx="2">
+            <a:schemeClr val="accent1"/>
+          </a:lnRef>
+          <a:fillRef idx="0">
+            <a:schemeClr val="accent1"/>
+          </a:fillRef>
+          <a:effectRef idx="1">
+            <a:schemeClr val="accent1"/>
+          </a:effectRef>
+          <a:fontRef idx="minor">
+            <a:schemeClr val="tx1"/>
+          </a:fontRef>
+        </p:style>
+      </p:cxnSp>
+      <p:cxnSp>
+        <p:nvCxnSpPr>
+          <p:cNvPr id="1046" name="Curved Connector 1045">
+            <a:extLst>
+              <a:ext uri="{FF2B5EF4-FFF2-40B4-BE49-F238E27FC236}">
+                <a16:creationId xmlns:a16="http://schemas.microsoft.com/office/drawing/2014/main" id="{6DD71986-BCAB-13DC-8DB3-15C747D6F64C}"/>
+              </a:ext>
+            </a:extLst>
+          </p:cNvPr>
+          <p:cNvCxnSpPr>
+            <a:cxnSpLocks/>
+          </p:cNvCxnSpPr>
+          <p:nvPr/>
+        </p:nvCxnSpPr>
+        <p:spPr>
+          <a:xfrm>
+            <a:off x="3160198" y="4641311"/>
+            <a:ext cx="719493" cy="291775"/>
+          </a:xfrm>
+          <a:prstGeom prst="curvedConnector3">
+            <a:avLst/>
+          </a:prstGeom>
+          <a:ln w="9525">
+            <a:solidFill>
+              <a:schemeClr val="accent1">
+                <a:lumMod val="40000"/>
+                <a:lumOff val="60000"/>
+              </a:schemeClr>
+            </a:solidFill>
+            <a:headEnd type="triangle"/>
+            <a:tailEnd type="triangle"/>
+          </a:ln>
+        </p:spPr>
+        <p:style>
+          <a:lnRef idx="2">
+            <a:schemeClr val="accent1"/>
+          </a:lnRef>
+          <a:fillRef idx="0">
+            <a:schemeClr val="accent1"/>
+          </a:fillRef>
+          <a:effectRef idx="1">
+            <a:schemeClr val="accent1"/>
+          </a:effectRef>
+          <a:fontRef idx="minor">
+            <a:schemeClr val="tx1"/>
+          </a:fontRef>
+        </p:style>
+      </p:cxnSp>
+      <p:cxnSp>
+        <p:nvCxnSpPr>
+          <p:cNvPr id="1049" name="Curved Connector 1048">
+            <a:extLst>
+              <a:ext uri="{FF2B5EF4-FFF2-40B4-BE49-F238E27FC236}">
+                <a16:creationId xmlns:a16="http://schemas.microsoft.com/office/drawing/2014/main" id="{F9BAA72A-974C-A7A3-04F2-2051FD4DD094}"/>
+              </a:ext>
+            </a:extLst>
+          </p:cNvPr>
+          <p:cNvCxnSpPr>
+            <a:cxnSpLocks/>
+          </p:cNvCxnSpPr>
+          <p:nvPr/>
+        </p:nvCxnSpPr>
+        <p:spPr>
+          <a:xfrm rot="10800000" flipV="1">
+            <a:off x="6464713" y="4311306"/>
+            <a:ext cx="1055990" cy="621780"/>
+          </a:xfrm>
+          <a:prstGeom prst="curvedConnector3">
+            <a:avLst>
+              <a:gd name="adj1" fmla="val 50000"/>
+            </a:avLst>
+          </a:prstGeom>
+          <a:ln w="9525">
+            <a:solidFill>
+              <a:schemeClr val="accent1">
+                <a:lumMod val="40000"/>
+                <a:lumOff val="60000"/>
+              </a:schemeClr>
+            </a:solidFill>
+            <a:headEnd type="triangle"/>
+            <a:tailEnd type="triangle"/>
+          </a:ln>
+        </p:spPr>
+        <p:style>
+          <a:lnRef idx="2">
+            <a:schemeClr val="accent1"/>
+          </a:lnRef>
+          <a:fillRef idx="0">
+            <a:schemeClr val="accent1"/>
+          </a:fillRef>
+          <a:effectRef idx="1">
+            <a:schemeClr val="accent1"/>
+          </a:effectRef>
+          <a:fontRef idx="minor">
+            <a:schemeClr val="tx1"/>
+          </a:fontRef>
+        </p:style>
+      </p:cxnSp>
+      <p:sp>
+        <p:nvSpPr>
+          <p:cNvPr id="1055" name="Rectangle 1054">
+            <a:extLst>
+              <a:ext uri="{FF2B5EF4-FFF2-40B4-BE49-F238E27FC236}">
+                <a16:creationId xmlns:a16="http://schemas.microsoft.com/office/drawing/2014/main" id="{66D5232E-ECDA-4F85-F0E1-B5B9BD932978}"/>
+              </a:ext>
+            </a:extLst>
+          </p:cNvPr>
+          <p:cNvSpPr/>
+          <p:nvPr/>
+        </p:nvSpPr>
+        <p:spPr>
+          <a:xfrm>
+            <a:off x="7456425" y="5557656"/>
+            <a:ext cx="3798597" cy="1036346"/>
+          </a:xfrm>
+          <a:prstGeom prst="rect">
+            <a:avLst/>
+          </a:prstGeom>
+          <a:solidFill>
+            <a:schemeClr val="accent6">
+              <a:lumMod val="60000"/>
+              <a:lumOff val="40000"/>
+            </a:schemeClr>
+          </a:solidFill>
+          <a:ln w="9525"/>
+        </p:spPr>
+        <p:style>
+          <a:lnRef idx="2">
+            <a:schemeClr val="accent1">
+              <a:shade val="15000"/>
+            </a:schemeClr>
+          </a:lnRef>
+          <a:fillRef idx="1">
+            <a:schemeClr val="accent1"/>
+          </a:fillRef>
+          <a:effectRef idx="0">
+            <a:schemeClr val="accent1"/>
+          </a:effectRef>
+          <a:fontRef idx="minor">
+            <a:schemeClr val="lt1"/>
+          </a:fontRef>
+        </p:style>
+        <p:txBody>
+          <a:bodyPr rtlCol="0" anchor="ctr"/>
+          <a:lstStyle/>
+          <a:p>
+            <a:pPr algn="ctr"/>
+            <a:endParaRPr lang="en-US" sz="1200" dirty="0">
+              <a:solidFill>
+                <a:schemeClr val="tx1"/>
+              </a:solidFill>
+            </a:endParaRPr>
+          </a:p>
+          <a:p>
+            <a:pPr algn="ctr"/>
+            <a:endParaRPr lang="en-US" sz="1200" dirty="0">
+              <a:solidFill>
+                <a:schemeClr val="tx1"/>
+              </a:solidFill>
+            </a:endParaRPr>
+          </a:p>
+          <a:p>
+            <a:pPr algn="ctr"/>
+            <a:endParaRPr lang="en-US" sz="1200" dirty="0">
+              <a:solidFill>
+                <a:schemeClr val="tx1"/>
+              </a:solidFill>
+            </a:endParaRPr>
+          </a:p>
+          <a:p>
+            <a:pPr algn="ctr"/>
+            <a:endParaRPr lang="en-US" sz="1200" dirty="0">
+              <a:solidFill>
+                <a:schemeClr val="tx1"/>
+              </a:solidFill>
+            </a:endParaRPr>
+          </a:p>
+        </p:txBody>
+      </p:sp>
+      <p:sp>
+        <p:nvSpPr>
+          <p:cNvPr id="1056" name="TextBox 1055">
+            <a:extLst>
+              <a:ext uri="{FF2B5EF4-FFF2-40B4-BE49-F238E27FC236}">
+                <a16:creationId xmlns:a16="http://schemas.microsoft.com/office/drawing/2014/main" id="{AE234B09-9C8D-F7E4-62DB-EB3CD9173DDA}"/>
+              </a:ext>
+            </a:extLst>
+          </p:cNvPr>
+          <p:cNvSpPr txBox="1"/>
+          <p:nvPr/>
+        </p:nvSpPr>
+        <p:spPr>
+          <a:xfrm>
+            <a:off x="7456425" y="5274178"/>
+            <a:ext cx="3798595" cy="276999"/>
+          </a:xfrm>
+          <a:prstGeom prst="rect">
+            <a:avLst/>
+          </a:prstGeom>
+          <a:noFill/>
+          <a:ln w="9525">
+            <a:noFill/>
+          </a:ln>
+        </p:spPr>
+        <p:txBody>
+          <a:bodyPr wrap="square" rtlCol="0">
+            <a:spAutoFit/>
+          </a:bodyPr>
+          <a:lstStyle/>
+          <a:p>
+            <a:pPr algn="ctr"/>
+            <a:r>
+              <a:rPr lang="en-US" sz="1200" dirty="0"/>
+              <a:t>Model Factory &amp; LLM Ops</a:t>
+            </a:r>
+          </a:p>
+        </p:txBody>
+      </p:sp>
+      <p:sp>
+        <p:nvSpPr>
+          <p:cNvPr id="1057" name="Rectangle 1056">
+            <a:extLst>
+              <a:ext uri="{FF2B5EF4-FFF2-40B4-BE49-F238E27FC236}">
+                <a16:creationId xmlns:a16="http://schemas.microsoft.com/office/drawing/2014/main" id="{0A4A92FB-1781-DD3D-AF51-B8761E0EC074}"/>
+              </a:ext>
+            </a:extLst>
+          </p:cNvPr>
+          <p:cNvSpPr/>
+          <p:nvPr/>
+        </p:nvSpPr>
+        <p:spPr>
+          <a:xfrm>
+            <a:off x="7578134" y="5807184"/>
+            <a:ext cx="1101828" cy="537289"/>
+          </a:xfrm>
+          <a:prstGeom prst="rect">
+            <a:avLst/>
+          </a:prstGeom>
+          <a:solidFill>
+            <a:schemeClr val="bg1">
+              <a:lumMod val="95000"/>
+            </a:schemeClr>
+          </a:solidFill>
+          <a:ln w="9525"/>
+        </p:spPr>
+        <p:style>
+          <a:lnRef idx="2">
+            <a:schemeClr val="accent1">
+              <a:shade val="15000"/>
+            </a:schemeClr>
+          </a:lnRef>
+          <a:fillRef idx="1">
+            <a:schemeClr val="accent1"/>
+          </a:fillRef>
+          <a:effectRef idx="0">
+            <a:schemeClr val="accent1"/>
+          </a:effectRef>
+          <a:fontRef idx="minor">
+            <a:schemeClr val="lt1"/>
+          </a:fontRef>
+        </p:style>
+        <p:txBody>
+          <a:bodyPr rtlCol="0" anchor="ctr"/>
+          <a:lstStyle/>
+          <a:p>
+            <a:pPr marL="171450" indent="-171450">
+              <a:buFont typeface="Arial" panose="020B0604020202020204" pitchFamily="34" charset="0"/>
+              <a:buChar char="•"/>
+            </a:pPr>
+            <a:endParaRPr lang="en-US" sz="1200" dirty="0">
+              <a:solidFill>
+                <a:schemeClr val="tx1"/>
+              </a:solidFill>
+            </a:endParaRPr>
+          </a:p>
+          <a:p>
+            <a:endParaRPr lang="en-US" sz="1200" dirty="0">
+              <a:solidFill>
+                <a:schemeClr val="tx1"/>
+              </a:solidFill>
+            </a:endParaRPr>
+          </a:p>
+          <a:p>
+            <a:endParaRPr lang="en-US" sz="1200" dirty="0">
+              <a:solidFill>
+                <a:schemeClr val="tx1"/>
+              </a:solidFill>
+            </a:endParaRPr>
+          </a:p>
+          <a:p>
+            <a:endParaRPr lang="en-US" sz="1200" dirty="0">
+              <a:solidFill>
+                <a:schemeClr val="tx1"/>
+              </a:solidFill>
+            </a:endParaRPr>
+          </a:p>
+          <a:p>
+            <a:pPr algn="ctr"/>
+            <a:r>
+              <a:rPr lang="en-US" sz="1200" dirty="0">
+                <a:solidFill>
+                  <a:schemeClr val="tx1"/>
+                </a:solidFill>
+              </a:rPr>
+              <a:t>Fine tuning</a:t>
+            </a:r>
+          </a:p>
+          <a:p>
+            <a:pPr algn="ctr"/>
+            <a:endParaRPr lang="en-US" sz="1200" dirty="0">
+              <a:solidFill>
+                <a:schemeClr val="tx1"/>
+              </a:solidFill>
+            </a:endParaRPr>
+          </a:p>
+          <a:p>
+            <a:pPr algn="ctr"/>
+            <a:endParaRPr lang="en-US" sz="1200" dirty="0">
+              <a:solidFill>
+                <a:schemeClr val="tx1"/>
+              </a:solidFill>
+            </a:endParaRPr>
+          </a:p>
+          <a:p>
+            <a:pPr algn="ctr"/>
+            <a:endParaRPr lang="en-US" sz="1200" dirty="0">
+              <a:solidFill>
+                <a:schemeClr val="tx1"/>
+              </a:solidFill>
+            </a:endParaRPr>
+          </a:p>
+          <a:p>
+            <a:pPr algn="ctr"/>
+            <a:endParaRPr lang="en-US" sz="1200" dirty="0">
+              <a:solidFill>
+                <a:schemeClr val="tx1"/>
+              </a:solidFill>
+            </a:endParaRPr>
+          </a:p>
+        </p:txBody>
+      </p:sp>
+      <p:sp>
+        <p:nvSpPr>
+          <p:cNvPr id="1058" name="Rectangle 1057">
+            <a:extLst>
+              <a:ext uri="{FF2B5EF4-FFF2-40B4-BE49-F238E27FC236}">
+                <a16:creationId xmlns:a16="http://schemas.microsoft.com/office/drawing/2014/main" id="{847BA50D-1970-7220-2A1A-7ACD69EE609E}"/>
+              </a:ext>
+            </a:extLst>
+          </p:cNvPr>
+          <p:cNvSpPr/>
+          <p:nvPr/>
+        </p:nvSpPr>
+        <p:spPr>
+          <a:xfrm>
+            <a:off x="8801670" y="5807184"/>
+            <a:ext cx="1101828" cy="537289"/>
+          </a:xfrm>
+          <a:prstGeom prst="rect">
+            <a:avLst/>
+          </a:prstGeom>
+          <a:solidFill>
+            <a:schemeClr val="bg1">
+              <a:lumMod val="95000"/>
+            </a:schemeClr>
+          </a:solidFill>
+          <a:ln w="9525"/>
+        </p:spPr>
+        <p:style>
+          <a:lnRef idx="2">
+            <a:schemeClr val="accent1">
+              <a:shade val="15000"/>
+            </a:schemeClr>
+          </a:lnRef>
+          <a:fillRef idx="1">
+            <a:schemeClr val="accent1"/>
+          </a:fillRef>
+          <a:effectRef idx="0">
+            <a:schemeClr val="accent1"/>
+          </a:effectRef>
+          <a:fontRef idx="minor">
+            <a:schemeClr val="lt1"/>
+          </a:fontRef>
+        </p:style>
+        <p:txBody>
+          <a:bodyPr rtlCol="0" anchor="ctr"/>
+          <a:lstStyle/>
+          <a:p>
+            <a:endParaRPr lang="en-US" sz="1200" dirty="0">
+              <a:solidFill>
+                <a:schemeClr val="tx1"/>
+              </a:solidFill>
+            </a:endParaRPr>
+          </a:p>
+          <a:p>
+            <a:endParaRPr lang="en-US" sz="1200" dirty="0">
+              <a:solidFill>
+                <a:schemeClr val="tx1"/>
+              </a:solidFill>
+            </a:endParaRPr>
+          </a:p>
+          <a:p>
+            <a:endParaRPr lang="en-US" sz="1200" dirty="0">
+              <a:solidFill>
+                <a:schemeClr val="tx1"/>
+              </a:solidFill>
+            </a:endParaRPr>
+          </a:p>
+          <a:p>
+            <a:endParaRPr lang="en-US" sz="1200" dirty="0">
+              <a:solidFill>
+                <a:schemeClr val="tx1"/>
+              </a:solidFill>
+            </a:endParaRPr>
+          </a:p>
+          <a:p>
+            <a:pPr algn="ctr"/>
+            <a:r>
+              <a:rPr lang="en-US" sz="1200" dirty="0">
+                <a:solidFill>
+                  <a:schemeClr val="tx1"/>
+                </a:solidFill>
+              </a:rPr>
+              <a:t>Dataset management</a:t>
+            </a:r>
+          </a:p>
+          <a:p>
+            <a:pPr algn="ctr"/>
+            <a:endParaRPr lang="en-US" sz="1200" dirty="0">
+              <a:solidFill>
+                <a:schemeClr val="tx1"/>
+              </a:solidFill>
+            </a:endParaRPr>
+          </a:p>
+          <a:p>
+            <a:pPr algn="ctr"/>
+            <a:endParaRPr lang="en-US" sz="1200" dirty="0">
+              <a:solidFill>
+                <a:schemeClr val="tx1"/>
+              </a:solidFill>
+            </a:endParaRPr>
+          </a:p>
+          <a:p>
+            <a:pPr algn="ctr"/>
+            <a:endParaRPr lang="en-US" sz="1200" dirty="0">
+              <a:solidFill>
+                <a:schemeClr val="tx1"/>
+              </a:solidFill>
+            </a:endParaRPr>
+          </a:p>
+          <a:p>
+            <a:pPr algn="ctr"/>
+            <a:endParaRPr lang="en-US" sz="1200" dirty="0">
+              <a:solidFill>
+                <a:schemeClr val="tx1"/>
+              </a:solidFill>
+            </a:endParaRPr>
+          </a:p>
+        </p:txBody>
+      </p:sp>
+      <p:sp>
+        <p:nvSpPr>
+          <p:cNvPr id="1059" name="Rectangle 1058">
+            <a:extLst>
+              <a:ext uri="{FF2B5EF4-FFF2-40B4-BE49-F238E27FC236}">
+                <a16:creationId xmlns:a16="http://schemas.microsoft.com/office/drawing/2014/main" id="{446ADD18-11C4-F09F-18BD-082370950BDF}"/>
+              </a:ext>
+            </a:extLst>
+          </p:cNvPr>
+          <p:cNvSpPr/>
+          <p:nvPr/>
+        </p:nvSpPr>
+        <p:spPr>
+          <a:xfrm>
+            <a:off x="10025206" y="5807184"/>
+            <a:ext cx="1101828" cy="537289"/>
+          </a:xfrm>
+          <a:prstGeom prst="rect">
+            <a:avLst/>
+          </a:prstGeom>
+          <a:solidFill>
+            <a:schemeClr val="bg1">
+              <a:lumMod val="95000"/>
+            </a:schemeClr>
+          </a:solidFill>
+          <a:ln w="9525"/>
+        </p:spPr>
+        <p:style>
+          <a:lnRef idx="2">
+            <a:schemeClr val="accent1">
+              <a:shade val="15000"/>
+            </a:schemeClr>
+          </a:lnRef>
+          <a:fillRef idx="1">
+            <a:schemeClr val="accent1"/>
+          </a:fillRef>
+          <a:effectRef idx="0">
+            <a:schemeClr val="accent1"/>
+          </a:effectRef>
+          <a:fontRef idx="minor">
+            <a:schemeClr val="lt1"/>
+          </a:fontRef>
+        </p:style>
+        <p:txBody>
+          <a:bodyPr rtlCol="0" anchor="ctr"/>
+          <a:lstStyle/>
+          <a:p>
+            <a:pPr marL="171450" indent="-171450">
+              <a:buFont typeface="Arial" panose="020B0604020202020204" pitchFamily="34" charset="0"/>
+              <a:buChar char="•"/>
+            </a:pPr>
+            <a:endParaRPr lang="en-US" sz="1200" dirty="0">
+              <a:solidFill>
+                <a:schemeClr val="tx1"/>
+              </a:solidFill>
+            </a:endParaRPr>
+          </a:p>
+          <a:p>
+            <a:endParaRPr lang="en-US" sz="1200" dirty="0">
+              <a:solidFill>
+                <a:schemeClr val="tx1"/>
+              </a:solidFill>
+            </a:endParaRPr>
+          </a:p>
+          <a:p>
+            <a:endParaRPr lang="en-US" sz="1200" dirty="0">
+              <a:solidFill>
+                <a:schemeClr val="tx1"/>
+              </a:solidFill>
+            </a:endParaRPr>
+          </a:p>
+          <a:p>
+            <a:endParaRPr lang="en-US" sz="1200" dirty="0">
+              <a:solidFill>
+                <a:schemeClr val="tx1"/>
+              </a:solidFill>
+            </a:endParaRPr>
+          </a:p>
+          <a:p>
+            <a:pPr algn="ctr"/>
+            <a:r>
+              <a:rPr lang="en-US" sz="1200" dirty="0">
+                <a:solidFill>
+                  <a:schemeClr val="tx1"/>
+                </a:solidFill>
+              </a:rPr>
+              <a:t>Experiment tracking</a:t>
+            </a:r>
+          </a:p>
+          <a:p>
+            <a:pPr algn="ctr"/>
+            <a:endParaRPr lang="en-US" sz="1200" dirty="0">
+              <a:solidFill>
+                <a:schemeClr val="tx1"/>
+              </a:solidFill>
+            </a:endParaRPr>
+          </a:p>
+          <a:p>
+            <a:pPr algn="ctr"/>
+            <a:endParaRPr lang="en-US" sz="1200" dirty="0">
+              <a:solidFill>
+                <a:schemeClr val="tx1"/>
+              </a:solidFill>
+            </a:endParaRPr>
+          </a:p>
+          <a:p>
+            <a:pPr algn="ctr"/>
+            <a:endParaRPr lang="en-US" sz="1200" dirty="0">
+              <a:solidFill>
+                <a:schemeClr val="tx1"/>
+              </a:solidFill>
+            </a:endParaRPr>
+          </a:p>
+          <a:p>
+            <a:pPr algn="ctr"/>
+            <a:endParaRPr lang="en-US" sz="1200" dirty="0">
+              <a:solidFill>
+                <a:schemeClr val="tx1"/>
+              </a:solidFill>
+            </a:endParaRPr>
+          </a:p>
+        </p:txBody>
+      </p:sp>
+      <p:cxnSp>
+        <p:nvCxnSpPr>
+          <p:cNvPr id="1064" name="Curved Connector 1063">
+            <a:extLst>
+              <a:ext uri="{FF2B5EF4-FFF2-40B4-BE49-F238E27FC236}">
+                <a16:creationId xmlns:a16="http://schemas.microsoft.com/office/drawing/2014/main" id="{9E567287-C1C7-9334-FEEA-0E7BE6B4D0AC}"/>
+              </a:ext>
+            </a:extLst>
+          </p:cNvPr>
+          <p:cNvCxnSpPr>
+            <a:cxnSpLocks/>
+          </p:cNvCxnSpPr>
+          <p:nvPr/>
+        </p:nvCxnSpPr>
+        <p:spPr>
+          <a:xfrm rot="10800000">
+            <a:off x="6834649" y="5807185"/>
+            <a:ext cx="493788" cy="334607"/>
+          </a:xfrm>
+          <a:prstGeom prst="curvedConnector3">
+            <a:avLst/>
+          </a:prstGeom>
+          <a:ln>
+            <a:solidFill>
+              <a:schemeClr val="tx2">
+                <a:lumMod val="25000"/>
+                <a:lumOff val="75000"/>
+              </a:schemeClr>
+            </a:solidFill>
+            <a:tailEnd type="triangle"/>
+          </a:ln>
+        </p:spPr>
+        <p:style>
+          <a:lnRef idx="2">
+            <a:schemeClr val="accent1"/>
+          </a:lnRef>
+          <a:fillRef idx="0">
+            <a:schemeClr val="accent1"/>
+          </a:fillRef>
+          <a:effectRef idx="1">
+            <a:schemeClr val="accent1"/>
+          </a:effectRef>
+          <a:fontRef idx="minor">
+            <a:schemeClr val="tx1"/>
+          </a:fontRef>
+        </p:style>
+      </p:cxnSp>
+    </p:spTree>
+    <p:extLst>
+      <p:ext uri="{BB962C8B-B14F-4D97-AF65-F5344CB8AC3E}">
+        <p14:creationId xmlns:p14="http://schemas.microsoft.com/office/powerpoint/2010/main" val="721732887"/>
       </p:ext>
     </p:extLst>
   </p:cSld>
